--- a/팀 그릴그린 중간발표.pptx
+++ b/팀 그릴그린 중간발표.pptx
@@ -5,7 +5,7 @@
     <p:sldMasterId id="2147483648" r:id="rId1"/>
   </p:sldMasterIdLst>
   <p:notesMasterIdLst>
-    <p:notesMasterId r:id="rId33"/>
+    <p:notesMasterId r:id="rId31"/>
   </p:notesMasterIdLst>
   <p:sldIdLst>
     <p:sldId id="256" r:id="rId2"/>
@@ -36,9 +36,7 @@
     <p:sldId id="269" r:id="rId27"/>
     <p:sldId id="270" r:id="rId28"/>
     <p:sldId id="280" r:id="rId29"/>
-    <p:sldId id="271" r:id="rId30"/>
-    <p:sldId id="272" r:id="rId31"/>
-    <p:sldId id="278" r:id="rId32"/>
+    <p:sldId id="278" r:id="rId30"/>
   </p:sldIdLst>
   <p:sldSz cx="12192000" cy="6858000"/>
   <p:notesSz cx="6858000" cy="9144000"/>
@@ -2218,6 +2216,52 @@
           <a:bodyPr/>
           <a:lstStyle/>
           <a:p>
+            <a:r>
+              <a:rPr lang="ko-KR" altLang="en-US" dirty="0"/>
+              <a:t>시나리오 테스트 </a:t>
+            </a:r>
+            <a:r>
+              <a:rPr lang="en-US" altLang="ko-KR" dirty="0"/>
+              <a:t>&gt; </a:t>
+            </a:r>
+            <a:r>
+              <a:rPr lang="ko-KR" altLang="en-US" dirty="0"/>
+              <a:t>테스트 케이스 및 테스트 시나리오를 작성</a:t>
+            </a:r>
+            <a:endParaRPr lang="en-US" altLang="ko-KR" dirty="0"/>
+          </a:p>
+          <a:p>
+            <a:pPr marL="0" marR="0" lvl="0" indent="0" algn="l" defTabSz="914400" rtl="0" eaLnBrk="1" fontAlgn="auto" latinLnBrk="1" hangingPunct="1">
+              <a:lnSpc>
+                <a:spcPct val="100000"/>
+              </a:lnSpc>
+              <a:spcBef>
+                <a:spcPts val="0"/>
+              </a:spcBef>
+              <a:spcAft>
+                <a:spcPts val="0"/>
+              </a:spcAft>
+              <a:buClrTx/>
+              <a:buSzTx/>
+              <a:buFontTx/>
+              <a:buNone/>
+              <a:tabLst/>
+              <a:defRPr/>
+            </a:pPr>
+            <a:r>
+              <a:rPr lang="ko-KR" altLang="en-US" dirty="0"/>
+              <a:t>최종적으로는 </a:t>
+            </a:r>
+            <a:r>
+              <a:rPr lang="en-US" altLang="ko-KR" dirty="0"/>
+              <a:t>AWS</a:t>
+            </a:r>
+            <a:r>
+              <a:rPr lang="ko-KR" altLang="en-US" dirty="0"/>
+              <a:t>를 통해 웹 배포 및 도메인 구입하여 적용</a:t>
+            </a:r>
+          </a:p>
+          <a:p>
             <a:endParaRPr lang="ko-KR" altLang="en-US" dirty="0"/>
           </a:p>
         </p:txBody>
@@ -2240,106 +2284,6 @@
             <a:fld id="{58D62EAE-4944-497B-BDF4-289857FF3924}" type="slidenum">
               <a:rPr lang="ko-KR" altLang="en-US" smtClean="0"/>
               <a:t>29</a:t>
-            </a:fld>
-            <a:endParaRPr lang="ko-KR" altLang="en-US"/>
-          </a:p>
-        </p:txBody>
-      </p:sp>
-    </p:spTree>
-    <p:extLst>
-      <p:ext uri="{BB962C8B-B14F-4D97-AF65-F5344CB8AC3E}">
-        <p14:creationId xmlns:p14="http://schemas.microsoft.com/office/powerpoint/2010/main" val="1668586913"/>
-      </p:ext>
-    </p:extLst>
-  </p:cSld>
-  <p:clrMapOvr>
-    <a:masterClrMapping/>
-  </p:clrMapOvr>
-</p:notes>
-</file>
-
-<file path=ppt/notesSlides/notesSlide24.xml><?xml version="1.0" encoding="utf-8"?>
-<p:notes xmlns:a="http://schemas.openxmlformats.org/drawingml/2006/main" xmlns:r="http://schemas.openxmlformats.org/officeDocument/2006/relationships" xmlns:p="http://schemas.openxmlformats.org/presentationml/2006/main">
-  <p:cSld>
-    <p:spTree>
-      <p:nvGrpSpPr>
-        <p:cNvPr id="1" name=""/>
-        <p:cNvGrpSpPr/>
-        <p:nvPr/>
-      </p:nvGrpSpPr>
-      <p:grpSpPr>
-        <a:xfrm>
-          <a:off x="0" y="0"/>
-          <a:ext cx="0" cy="0"/>
-          <a:chOff x="0" y="0"/>
-          <a:chExt cx="0" cy="0"/>
-        </a:xfrm>
-      </p:grpSpPr>
-      <p:sp>
-        <p:nvSpPr>
-          <p:cNvPr id="2" name="슬라이드 이미지 개체 틀 1"/>
-          <p:cNvSpPr>
-            <a:spLocks noGrp="1" noRot="1" noChangeAspect="1"/>
-          </p:cNvSpPr>
-          <p:nvPr>
-            <p:ph type="sldImg"/>
-          </p:nvPr>
-        </p:nvSpPr>
-        <p:spPr/>
-      </p:sp>
-      <p:sp>
-        <p:nvSpPr>
-          <p:cNvPr id="3" name="슬라이드 노트 개체 틀 2"/>
-          <p:cNvSpPr>
-            <a:spLocks noGrp="1"/>
-          </p:cNvSpPr>
-          <p:nvPr>
-            <p:ph type="body" idx="1"/>
-          </p:nvPr>
-        </p:nvSpPr>
-        <p:spPr/>
-        <p:txBody>
-          <a:bodyPr/>
-          <a:lstStyle/>
-          <a:p>
-            <a:r>
-              <a:rPr lang="ko-KR" altLang="en-US" dirty="0"/>
-              <a:t>시나리오 테스트 </a:t>
-            </a:r>
-            <a:r>
-              <a:rPr lang="en-US" altLang="ko-KR" dirty="0"/>
-              <a:t>&gt; </a:t>
-            </a:r>
-            <a:r>
-              <a:rPr lang="ko-KR" altLang="en-US" dirty="0"/>
-              <a:t>테스트 케이스 및 테스트 </a:t>
-            </a:r>
-            <a:r>
-              <a:rPr lang="ko-KR" altLang="en-US"/>
-              <a:t>시나리오를 작성</a:t>
-            </a:r>
-            <a:endParaRPr lang="ko-KR" altLang="en-US" dirty="0"/>
-          </a:p>
-        </p:txBody>
-      </p:sp>
-      <p:sp>
-        <p:nvSpPr>
-          <p:cNvPr id="4" name="슬라이드 번호 개체 틀 3"/>
-          <p:cNvSpPr>
-            <a:spLocks noGrp="1"/>
-          </p:cNvSpPr>
-          <p:nvPr>
-            <p:ph type="sldNum" sz="quarter" idx="5"/>
-          </p:nvPr>
-        </p:nvSpPr>
-        <p:spPr/>
-        <p:txBody>
-          <a:bodyPr/>
-          <a:lstStyle/>
-          <a:p>
-            <a:fld id="{58D62EAE-4944-497B-BDF4-289857FF3924}" type="slidenum">
-              <a:rPr lang="ko-KR" altLang="en-US" smtClean="0"/>
-              <a:t>31</a:t>
             </a:fld>
             <a:endParaRPr lang="ko-KR" altLang="en-US"/>
           </a:p>
@@ -7099,10 +7043,229 @@
               <a:rPr lang="en-US" altLang="ko-KR" dirty="0"/>
               <a:t>)</a:t>
             </a:r>
+          </a:p>
+          <a:p>
             <a:endParaRPr lang="ko-KR" altLang="en-US" dirty="0"/>
           </a:p>
         </p:txBody>
       </p:sp>
+      <p:graphicFrame>
+        <p:nvGraphicFramePr>
+          <p:cNvPr id="3" name="표 3">
+            <a:extLst>
+              <a:ext uri="{FF2B5EF4-FFF2-40B4-BE49-F238E27FC236}">
+                <a16:creationId xmlns:a16="http://schemas.microsoft.com/office/drawing/2014/main" id="{88C43740-7DBC-4D2F-923D-183084B86F15}"/>
+              </a:ext>
+            </a:extLst>
+          </p:cNvPr>
+          <p:cNvGraphicFramePr>
+            <a:graphicFrameLocks noGrp="1"/>
+          </p:cNvGraphicFramePr>
+          <p:nvPr>
+            <p:extLst>
+              <p:ext uri="{D42A27DB-BD31-4B8C-83A1-F6EECF244321}">
+                <p14:modId xmlns:p14="http://schemas.microsoft.com/office/powerpoint/2010/main" val="1019485110"/>
+              </p:ext>
+            </p:extLst>
+          </p:nvPr>
+        </p:nvGraphicFramePr>
+        <p:xfrm>
+          <a:off x="1176976" y="3075358"/>
+          <a:ext cx="8128000" cy="1885097"/>
+        </p:xfrm>
+        <a:graphic>
+          <a:graphicData uri="http://schemas.openxmlformats.org/drawingml/2006/table">
+            <a:tbl>
+              <a:tblPr firstRow="1" bandRow="1">
+                <a:tableStyleId>{5C22544A-7EE6-4342-B048-85BDC9FD1C3A}</a:tableStyleId>
+              </a:tblPr>
+              <a:tblGrid>
+                <a:gridCol w="4064000">
+                  <a:extLst>
+                    <a:ext uri="{9D8B030D-6E8A-4147-A177-3AD203B41FA5}">
+                      <a16:colId xmlns:a16="http://schemas.microsoft.com/office/drawing/2014/main" val="3832725992"/>
+                    </a:ext>
+                  </a:extLst>
+                </a:gridCol>
+                <a:gridCol w="4064000">
+                  <a:extLst>
+                    <a:ext uri="{9D8B030D-6E8A-4147-A177-3AD203B41FA5}">
+                      <a16:colId xmlns:a16="http://schemas.microsoft.com/office/drawing/2014/main" val="3677106475"/>
+                    </a:ext>
+                  </a:extLst>
+                </a:gridCol>
+              </a:tblGrid>
+              <a:tr h="401737">
+                <a:tc>
+                  <a:txBody>
+                    <a:bodyPr/>
+                    <a:lstStyle/>
+                    <a:p>
+                      <a:pPr latinLnBrk="1"/>
+                      <a:r>
+                        <a:rPr lang="ko-KR" altLang="en-US" dirty="0"/>
+                        <a:t>내부논리파일</a:t>
+                      </a:r>
+                    </a:p>
+                  </a:txBody>
+                  <a:tcPr/>
+                </a:tc>
+                <a:tc>
+                  <a:txBody>
+                    <a:bodyPr/>
+                    <a:lstStyle/>
+                    <a:p>
+                      <a:pPr latinLnBrk="1"/>
+                      <a:r>
+                        <a:rPr lang="ko-KR" altLang="en-US" dirty="0"/>
+                        <a:t>가중치</a:t>
+                      </a:r>
+                    </a:p>
+                  </a:txBody>
+                  <a:tcPr/>
+                </a:tc>
+                <a:extLst>
+                  <a:ext uri="{0D108BD9-81ED-4DB2-BD59-A6C34878D82A}">
+                    <a16:rowId xmlns:a16="http://schemas.microsoft.com/office/drawing/2014/main" val="401631902"/>
+                  </a:ext>
+                </a:extLst>
+              </a:tr>
+              <a:tr h="370840">
+                <a:tc>
+                  <a:txBody>
+                    <a:bodyPr/>
+                    <a:lstStyle/>
+                    <a:p>
+                      <a:pPr latinLnBrk="1"/>
+                      <a:r>
+                        <a:rPr lang="ko-KR" altLang="en-US" dirty="0"/>
+                        <a:t>회원 데이터</a:t>
+                      </a:r>
+                    </a:p>
+                  </a:txBody>
+                  <a:tcPr/>
+                </a:tc>
+                <a:tc rowSpan="4">
+                  <a:txBody>
+                    <a:bodyPr/>
+                    <a:lstStyle/>
+                    <a:p>
+                      <a:pPr latinLnBrk="1"/>
+                      <a:r>
+                        <a:rPr lang="en-US" altLang="ko-KR" dirty="0"/>
+                        <a:t>7</a:t>
+                      </a:r>
+                      <a:endParaRPr lang="ko-KR" altLang="en-US" dirty="0"/>
+                    </a:p>
+                  </a:txBody>
+                  <a:tcPr/>
+                </a:tc>
+                <a:extLst>
+                  <a:ext uri="{0D108BD9-81ED-4DB2-BD59-A6C34878D82A}">
+                    <a16:rowId xmlns:a16="http://schemas.microsoft.com/office/drawing/2014/main" val="2053779343"/>
+                  </a:ext>
+                </a:extLst>
+              </a:tr>
+              <a:tr h="370840">
+                <a:tc>
+                  <a:txBody>
+                    <a:bodyPr/>
+                    <a:lstStyle/>
+                    <a:p>
+                      <a:pPr latinLnBrk="1"/>
+                      <a:r>
+                        <a:rPr lang="ko-KR" altLang="en-US" dirty="0"/>
+                        <a:t>공지사항 데이터</a:t>
+                      </a:r>
+                    </a:p>
+                  </a:txBody>
+                  <a:tcPr/>
+                </a:tc>
+                <a:tc vMerge="1">
+                  <a:txBody>
+                    <a:bodyPr/>
+                    <a:lstStyle/>
+                    <a:p>
+                      <a:pPr latinLnBrk="1"/>
+                      <a:endParaRPr lang="ko-KR" altLang="en-US" dirty="0"/>
+                    </a:p>
+                  </a:txBody>
+                  <a:tcPr/>
+                </a:tc>
+                <a:extLst>
+                  <a:ext uri="{0D108BD9-81ED-4DB2-BD59-A6C34878D82A}">
+                    <a16:rowId xmlns:a16="http://schemas.microsoft.com/office/drawing/2014/main" val="4005714679"/>
+                  </a:ext>
+                </a:extLst>
+              </a:tr>
+              <a:tr h="370840">
+                <a:tc>
+                  <a:txBody>
+                    <a:bodyPr/>
+                    <a:lstStyle/>
+                    <a:p>
+                      <a:pPr latinLnBrk="1"/>
+                      <a:r>
+                        <a:rPr lang="ko-KR" altLang="en-US" dirty="0"/>
+                        <a:t>고객후기 데이터</a:t>
+                      </a:r>
+                    </a:p>
+                  </a:txBody>
+                  <a:tcPr/>
+                </a:tc>
+                <a:tc vMerge="1">
+                  <a:txBody>
+                    <a:bodyPr/>
+                    <a:lstStyle/>
+                    <a:p>
+                      <a:pPr latinLnBrk="1"/>
+                      <a:endParaRPr lang="ko-KR" altLang="en-US" dirty="0"/>
+                    </a:p>
+                  </a:txBody>
+                  <a:tcPr/>
+                </a:tc>
+                <a:extLst>
+                  <a:ext uri="{0D108BD9-81ED-4DB2-BD59-A6C34878D82A}">
+                    <a16:rowId xmlns:a16="http://schemas.microsoft.com/office/drawing/2014/main" val="2753837517"/>
+                  </a:ext>
+                </a:extLst>
+              </a:tr>
+              <a:tr h="370840">
+                <a:tc>
+                  <a:txBody>
+                    <a:bodyPr/>
+                    <a:lstStyle/>
+                    <a:p>
+                      <a:pPr latinLnBrk="1"/>
+                      <a:r>
+                        <a:rPr lang="ko-KR" altLang="en-US" dirty="0"/>
+                        <a:t>관심기업 데이터</a:t>
+                      </a:r>
+                    </a:p>
+                  </a:txBody>
+                  <a:tcPr/>
+                </a:tc>
+                <a:tc vMerge="1">
+                  <a:txBody>
+                    <a:bodyPr/>
+                    <a:lstStyle/>
+                    <a:p>
+                      <a:pPr latinLnBrk="1"/>
+                      <a:endParaRPr lang="ko-KR" altLang="en-US" dirty="0"/>
+                    </a:p>
+                  </a:txBody>
+                  <a:tcPr/>
+                </a:tc>
+                <a:extLst>
+                  <a:ext uri="{0D108BD9-81ED-4DB2-BD59-A6C34878D82A}">
+                    <a16:rowId xmlns:a16="http://schemas.microsoft.com/office/drawing/2014/main" val="4199376975"/>
+                  </a:ext>
+                </a:extLst>
+              </a:tr>
+            </a:tbl>
+          </a:graphicData>
+        </a:graphic>
+      </p:graphicFrame>
     </p:spTree>
     <p:extLst>
       <p:ext uri="{BB962C8B-B14F-4D97-AF65-F5344CB8AC3E}">
@@ -7213,6 +7376,824 @@
           </a:p>
         </p:txBody>
       </p:sp>
+      <p:graphicFrame>
+        <p:nvGraphicFramePr>
+          <p:cNvPr id="4" name="표 4">
+            <a:extLst>
+              <a:ext uri="{FF2B5EF4-FFF2-40B4-BE49-F238E27FC236}">
+                <a16:creationId xmlns:a16="http://schemas.microsoft.com/office/drawing/2014/main" id="{A0B9C502-462F-43A7-B6CC-2BF012322F89}"/>
+              </a:ext>
+            </a:extLst>
+          </p:cNvPr>
+          <p:cNvGraphicFramePr>
+            <a:graphicFrameLocks noGrp="1"/>
+          </p:cNvGraphicFramePr>
+          <p:nvPr>
+            <p:extLst>
+              <p:ext uri="{D42A27DB-BD31-4B8C-83A1-F6EECF244321}">
+                <p14:modId xmlns:p14="http://schemas.microsoft.com/office/powerpoint/2010/main" val="298533886"/>
+              </p:ext>
+            </p:extLst>
+          </p:nvPr>
+        </p:nvGraphicFramePr>
+        <p:xfrm>
+          <a:off x="1070099" y="2171700"/>
+          <a:ext cx="3763158" cy="4389120"/>
+        </p:xfrm>
+        <a:graphic>
+          <a:graphicData uri="http://schemas.openxmlformats.org/drawingml/2006/table">
+            <a:tbl>
+              <a:tblPr firstRow="1" bandRow="1">
+                <a:tableStyleId>{5C22544A-7EE6-4342-B048-85BDC9FD1C3A}</a:tableStyleId>
+              </a:tblPr>
+              <a:tblGrid>
+                <a:gridCol w="1881579">
+                  <a:extLst>
+                    <a:ext uri="{9D8B030D-6E8A-4147-A177-3AD203B41FA5}">
+                      <a16:colId xmlns:a16="http://schemas.microsoft.com/office/drawing/2014/main" val="3022956467"/>
+                    </a:ext>
+                  </a:extLst>
+                </a:gridCol>
+                <a:gridCol w="1881579">
+                  <a:extLst>
+                    <a:ext uri="{9D8B030D-6E8A-4147-A177-3AD203B41FA5}">
+                      <a16:colId xmlns:a16="http://schemas.microsoft.com/office/drawing/2014/main" val="4277509372"/>
+                    </a:ext>
+                  </a:extLst>
+                </a:gridCol>
+              </a:tblGrid>
+              <a:tr h="0">
+                <a:tc>
+                  <a:txBody>
+                    <a:bodyPr/>
+                    <a:lstStyle/>
+                    <a:p>
+                      <a:pPr latinLnBrk="1"/>
+                      <a:r>
+                        <a:rPr lang="ko-KR" altLang="en-US" dirty="0"/>
+                        <a:t>외부입력</a:t>
+                      </a:r>
+                    </a:p>
+                  </a:txBody>
+                  <a:tcPr/>
+                </a:tc>
+                <a:tc>
+                  <a:txBody>
+                    <a:bodyPr/>
+                    <a:lstStyle/>
+                    <a:p>
+                      <a:pPr latinLnBrk="1"/>
+                      <a:r>
+                        <a:rPr lang="ko-KR" altLang="en-US" dirty="0"/>
+                        <a:t>가중치</a:t>
+                      </a:r>
+                    </a:p>
+                  </a:txBody>
+                  <a:tcPr/>
+                </a:tc>
+                <a:extLst>
+                  <a:ext uri="{0D108BD9-81ED-4DB2-BD59-A6C34878D82A}">
+                    <a16:rowId xmlns:a16="http://schemas.microsoft.com/office/drawing/2014/main" val="1663044517"/>
+                  </a:ext>
+                </a:extLst>
+              </a:tr>
+              <a:tr h="259610">
+                <a:tc>
+                  <a:txBody>
+                    <a:bodyPr/>
+                    <a:lstStyle/>
+                    <a:p>
+                      <a:pPr latinLnBrk="1"/>
+                      <a:r>
+                        <a:rPr lang="ko-KR" altLang="en-US" dirty="0"/>
+                        <a:t>회원가입</a:t>
+                      </a:r>
+                    </a:p>
+                  </a:txBody>
+                  <a:tcPr/>
+                </a:tc>
+                <a:tc rowSpan="11">
+                  <a:txBody>
+                    <a:bodyPr/>
+                    <a:lstStyle/>
+                    <a:p>
+                      <a:pPr latinLnBrk="1"/>
+                      <a:r>
+                        <a:rPr lang="en-US" altLang="ko-KR" dirty="0"/>
+                        <a:t>3</a:t>
+                      </a:r>
+                      <a:endParaRPr lang="ko-KR" altLang="en-US" dirty="0"/>
+                    </a:p>
+                  </a:txBody>
+                  <a:tcPr/>
+                </a:tc>
+                <a:extLst>
+                  <a:ext uri="{0D108BD9-81ED-4DB2-BD59-A6C34878D82A}">
+                    <a16:rowId xmlns:a16="http://schemas.microsoft.com/office/drawing/2014/main" val="1905815509"/>
+                  </a:ext>
+                </a:extLst>
+              </a:tr>
+              <a:tr h="259610">
+                <a:tc>
+                  <a:txBody>
+                    <a:bodyPr/>
+                    <a:lstStyle/>
+                    <a:p>
+                      <a:pPr latinLnBrk="1"/>
+                      <a:r>
+                        <a:rPr lang="ko-KR" altLang="en-US" dirty="0"/>
+                        <a:t>회원탈퇴</a:t>
+                      </a:r>
+                    </a:p>
+                  </a:txBody>
+                  <a:tcPr/>
+                </a:tc>
+                <a:tc vMerge="1">
+                  <a:txBody>
+                    <a:bodyPr/>
+                    <a:lstStyle/>
+                    <a:p>
+                      <a:pPr latinLnBrk="1"/>
+                      <a:endParaRPr lang="ko-KR" altLang="en-US" dirty="0"/>
+                    </a:p>
+                  </a:txBody>
+                  <a:tcPr/>
+                </a:tc>
+                <a:extLst>
+                  <a:ext uri="{0D108BD9-81ED-4DB2-BD59-A6C34878D82A}">
+                    <a16:rowId xmlns:a16="http://schemas.microsoft.com/office/drawing/2014/main" val="1646584069"/>
+                  </a:ext>
+                </a:extLst>
+              </a:tr>
+              <a:tr h="259610">
+                <a:tc>
+                  <a:txBody>
+                    <a:bodyPr/>
+                    <a:lstStyle/>
+                    <a:p>
+                      <a:pPr latinLnBrk="1"/>
+                      <a:r>
+                        <a:rPr lang="ko-KR" altLang="en-US" dirty="0"/>
+                        <a:t>개인정보 수정</a:t>
+                      </a:r>
+                    </a:p>
+                  </a:txBody>
+                  <a:tcPr/>
+                </a:tc>
+                <a:tc vMerge="1">
+                  <a:txBody>
+                    <a:bodyPr/>
+                    <a:lstStyle/>
+                    <a:p>
+                      <a:pPr latinLnBrk="1"/>
+                      <a:endParaRPr lang="ko-KR" altLang="en-US"/>
+                    </a:p>
+                  </a:txBody>
+                  <a:tcPr/>
+                </a:tc>
+                <a:extLst>
+                  <a:ext uri="{0D108BD9-81ED-4DB2-BD59-A6C34878D82A}">
+                    <a16:rowId xmlns:a16="http://schemas.microsoft.com/office/drawing/2014/main" val="1863890415"/>
+                  </a:ext>
+                </a:extLst>
+              </a:tr>
+              <a:tr h="259610">
+                <a:tc>
+                  <a:txBody>
+                    <a:bodyPr/>
+                    <a:lstStyle/>
+                    <a:p>
+                      <a:pPr latinLnBrk="1"/>
+                      <a:r>
+                        <a:rPr lang="ko-KR" altLang="en-US" dirty="0"/>
+                        <a:t>공지사항 등록</a:t>
+                      </a:r>
+                    </a:p>
+                  </a:txBody>
+                  <a:tcPr/>
+                </a:tc>
+                <a:tc vMerge="1">
+                  <a:txBody>
+                    <a:bodyPr/>
+                    <a:lstStyle/>
+                    <a:p>
+                      <a:pPr latinLnBrk="1"/>
+                      <a:endParaRPr lang="ko-KR" altLang="en-US" dirty="0"/>
+                    </a:p>
+                  </a:txBody>
+                  <a:tcPr/>
+                </a:tc>
+                <a:extLst>
+                  <a:ext uri="{0D108BD9-81ED-4DB2-BD59-A6C34878D82A}">
+                    <a16:rowId xmlns:a16="http://schemas.microsoft.com/office/drawing/2014/main" val="668768356"/>
+                  </a:ext>
+                </a:extLst>
+              </a:tr>
+              <a:tr h="259610">
+                <a:tc>
+                  <a:txBody>
+                    <a:bodyPr/>
+                    <a:lstStyle/>
+                    <a:p>
+                      <a:pPr latinLnBrk="1"/>
+                      <a:r>
+                        <a:rPr lang="ko-KR" altLang="en-US" dirty="0"/>
+                        <a:t>공지사항 수정</a:t>
+                      </a:r>
+                    </a:p>
+                  </a:txBody>
+                  <a:tcPr/>
+                </a:tc>
+                <a:tc vMerge="1">
+                  <a:txBody>
+                    <a:bodyPr/>
+                    <a:lstStyle/>
+                    <a:p>
+                      <a:pPr latinLnBrk="1"/>
+                      <a:endParaRPr lang="ko-KR" altLang="en-US"/>
+                    </a:p>
+                  </a:txBody>
+                  <a:tcPr/>
+                </a:tc>
+                <a:extLst>
+                  <a:ext uri="{0D108BD9-81ED-4DB2-BD59-A6C34878D82A}">
+                    <a16:rowId xmlns:a16="http://schemas.microsoft.com/office/drawing/2014/main" val="911396909"/>
+                  </a:ext>
+                </a:extLst>
+              </a:tr>
+              <a:tr h="259610">
+                <a:tc>
+                  <a:txBody>
+                    <a:bodyPr/>
+                    <a:lstStyle/>
+                    <a:p>
+                      <a:pPr latinLnBrk="1"/>
+                      <a:r>
+                        <a:rPr lang="ko-KR" altLang="en-US" dirty="0"/>
+                        <a:t>공지사항 삭제</a:t>
+                      </a:r>
+                    </a:p>
+                  </a:txBody>
+                  <a:tcPr/>
+                </a:tc>
+                <a:tc vMerge="1">
+                  <a:txBody>
+                    <a:bodyPr/>
+                    <a:lstStyle/>
+                    <a:p>
+                      <a:pPr latinLnBrk="1"/>
+                      <a:endParaRPr lang="ko-KR" altLang="en-US"/>
+                    </a:p>
+                  </a:txBody>
+                  <a:tcPr/>
+                </a:tc>
+                <a:extLst>
+                  <a:ext uri="{0D108BD9-81ED-4DB2-BD59-A6C34878D82A}">
+                    <a16:rowId xmlns:a16="http://schemas.microsoft.com/office/drawing/2014/main" val="3587941039"/>
+                  </a:ext>
+                </a:extLst>
+              </a:tr>
+              <a:tr h="259610">
+                <a:tc>
+                  <a:txBody>
+                    <a:bodyPr/>
+                    <a:lstStyle/>
+                    <a:p>
+                      <a:pPr latinLnBrk="1"/>
+                      <a:r>
+                        <a:rPr lang="ko-KR" altLang="en-US" dirty="0"/>
+                        <a:t>고객후기 등록</a:t>
+                      </a:r>
+                    </a:p>
+                  </a:txBody>
+                  <a:tcPr/>
+                </a:tc>
+                <a:tc vMerge="1">
+                  <a:txBody>
+                    <a:bodyPr/>
+                    <a:lstStyle/>
+                    <a:p>
+                      <a:pPr latinLnBrk="1"/>
+                      <a:endParaRPr lang="ko-KR" altLang="en-US" dirty="0"/>
+                    </a:p>
+                  </a:txBody>
+                  <a:tcPr/>
+                </a:tc>
+                <a:extLst>
+                  <a:ext uri="{0D108BD9-81ED-4DB2-BD59-A6C34878D82A}">
+                    <a16:rowId xmlns:a16="http://schemas.microsoft.com/office/drawing/2014/main" val="2157088592"/>
+                  </a:ext>
+                </a:extLst>
+              </a:tr>
+              <a:tr h="259610">
+                <a:tc>
+                  <a:txBody>
+                    <a:bodyPr/>
+                    <a:lstStyle/>
+                    <a:p>
+                      <a:pPr latinLnBrk="1"/>
+                      <a:r>
+                        <a:rPr lang="ko-KR" altLang="en-US" dirty="0"/>
+                        <a:t>고객후기 수정</a:t>
+                      </a:r>
+                    </a:p>
+                  </a:txBody>
+                  <a:tcPr/>
+                </a:tc>
+                <a:tc vMerge="1">
+                  <a:txBody>
+                    <a:bodyPr/>
+                    <a:lstStyle/>
+                    <a:p>
+                      <a:pPr latinLnBrk="1"/>
+                      <a:endParaRPr lang="ko-KR" altLang="en-US"/>
+                    </a:p>
+                  </a:txBody>
+                  <a:tcPr/>
+                </a:tc>
+                <a:extLst>
+                  <a:ext uri="{0D108BD9-81ED-4DB2-BD59-A6C34878D82A}">
+                    <a16:rowId xmlns:a16="http://schemas.microsoft.com/office/drawing/2014/main" val="4104556871"/>
+                  </a:ext>
+                </a:extLst>
+              </a:tr>
+              <a:tr h="259610">
+                <a:tc>
+                  <a:txBody>
+                    <a:bodyPr/>
+                    <a:lstStyle/>
+                    <a:p>
+                      <a:pPr latinLnBrk="1"/>
+                      <a:r>
+                        <a:rPr lang="ko-KR" altLang="en-US" dirty="0"/>
+                        <a:t>고객후기 삭제</a:t>
+                      </a:r>
+                    </a:p>
+                  </a:txBody>
+                  <a:tcPr/>
+                </a:tc>
+                <a:tc vMerge="1">
+                  <a:txBody>
+                    <a:bodyPr/>
+                    <a:lstStyle/>
+                    <a:p>
+                      <a:pPr latinLnBrk="1"/>
+                      <a:endParaRPr lang="ko-KR" altLang="en-US" dirty="0"/>
+                    </a:p>
+                  </a:txBody>
+                  <a:tcPr/>
+                </a:tc>
+                <a:extLst>
+                  <a:ext uri="{0D108BD9-81ED-4DB2-BD59-A6C34878D82A}">
+                    <a16:rowId xmlns:a16="http://schemas.microsoft.com/office/drawing/2014/main" val="640022703"/>
+                  </a:ext>
+                </a:extLst>
+              </a:tr>
+              <a:tr h="259610">
+                <a:tc>
+                  <a:txBody>
+                    <a:bodyPr/>
+                    <a:lstStyle/>
+                    <a:p>
+                      <a:pPr latinLnBrk="1"/>
+                      <a:r>
+                        <a:rPr lang="ko-KR" altLang="en-US" dirty="0"/>
+                        <a:t>관심기업 등록</a:t>
+                      </a:r>
+                    </a:p>
+                  </a:txBody>
+                  <a:tcPr/>
+                </a:tc>
+                <a:tc vMerge="1">
+                  <a:txBody>
+                    <a:bodyPr/>
+                    <a:lstStyle/>
+                    <a:p>
+                      <a:pPr latinLnBrk="1"/>
+                      <a:endParaRPr lang="ko-KR" altLang="en-US" dirty="0"/>
+                    </a:p>
+                  </a:txBody>
+                  <a:tcPr/>
+                </a:tc>
+                <a:extLst>
+                  <a:ext uri="{0D108BD9-81ED-4DB2-BD59-A6C34878D82A}">
+                    <a16:rowId xmlns:a16="http://schemas.microsoft.com/office/drawing/2014/main" val="2051559812"/>
+                  </a:ext>
+                </a:extLst>
+              </a:tr>
+              <a:tr h="259610">
+                <a:tc>
+                  <a:txBody>
+                    <a:bodyPr/>
+                    <a:lstStyle/>
+                    <a:p>
+                      <a:pPr latinLnBrk="1"/>
+                      <a:r>
+                        <a:rPr lang="ko-KR" altLang="en-US" dirty="0"/>
+                        <a:t>관심기업 삭제</a:t>
+                      </a:r>
+                    </a:p>
+                  </a:txBody>
+                  <a:tcPr/>
+                </a:tc>
+                <a:tc vMerge="1">
+                  <a:txBody>
+                    <a:bodyPr/>
+                    <a:lstStyle/>
+                    <a:p>
+                      <a:pPr latinLnBrk="1"/>
+                      <a:endParaRPr lang="ko-KR" altLang="en-US" dirty="0"/>
+                    </a:p>
+                  </a:txBody>
+                  <a:tcPr/>
+                </a:tc>
+                <a:extLst>
+                  <a:ext uri="{0D108BD9-81ED-4DB2-BD59-A6C34878D82A}">
+                    <a16:rowId xmlns:a16="http://schemas.microsoft.com/office/drawing/2014/main" val="3229203620"/>
+                  </a:ext>
+                </a:extLst>
+              </a:tr>
+            </a:tbl>
+          </a:graphicData>
+        </a:graphic>
+      </p:graphicFrame>
+      <p:graphicFrame>
+        <p:nvGraphicFramePr>
+          <p:cNvPr id="5" name="표 5">
+            <a:extLst>
+              <a:ext uri="{FF2B5EF4-FFF2-40B4-BE49-F238E27FC236}">
+                <a16:creationId xmlns:a16="http://schemas.microsoft.com/office/drawing/2014/main" id="{A00C8125-3AEF-40CF-97A3-E99B43E84CE5}"/>
+              </a:ext>
+            </a:extLst>
+          </p:cNvPr>
+          <p:cNvGraphicFramePr>
+            <a:graphicFrameLocks noGrp="1"/>
+          </p:cNvGraphicFramePr>
+          <p:nvPr>
+            <p:extLst>
+              <p:ext uri="{D42A27DB-BD31-4B8C-83A1-F6EECF244321}">
+                <p14:modId xmlns:p14="http://schemas.microsoft.com/office/powerpoint/2010/main" val="4164978245"/>
+              </p:ext>
+            </p:extLst>
+          </p:nvPr>
+        </p:nvGraphicFramePr>
+        <p:xfrm>
+          <a:off x="5820896" y="2171700"/>
+          <a:ext cx="4545264" cy="5029200"/>
+        </p:xfrm>
+        <a:graphic>
+          <a:graphicData uri="http://schemas.openxmlformats.org/drawingml/2006/table">
+            <a:tbl>
+              <a:tblPr firstRow="1" bandRow="1">
+                <a:tableStyleId>{5C22544A-7EE6-4342-B048-85BDC9FD1C3A}</a:tableStyleId>
+              </a:tblPr>
+              <a:tblGrid>
+                <a:gridCol w="2272632">
+                  <a:extLst>
+                    <a:ext uri="{9D8B030D-6E8A-4147-A177-3AD203B41FA5}">
+                      <a16:colId xmlns:a16="http://schemas.microsoft.com/office/drawing/2014/main" val="3786644495"/>
+                    </a:ext>
+                  </a:extLst>
+                </a:gridCol>
+                <a:gridCol w="2272632">
+                  <a:extLst>
+                    <a:ext uri="{9D8B030D-6E8A-4147-A177-3AD203B41FA5}">
+                      <a16:colId xmlns:a16="http://schemas.microsoft.com/office/drawing/2014/main" val="1927762334"/>
+                    </a:ext>
+                  </a:extLst>
+                </a:gridCol>
+              </a:tblGrid>
+              <a:tr h="333720">
+                <a:tc>
+                  <a:txBody>
+                    <a:bodyPr/>
+                    <a:lstStyle/>
+                    <a:p>
+                      <a:pPr latinLnBrk="1"/>
+                      <a:r>
+                        <a:rPr lang="ko-KR" altLang="en-US" dirty="0"/>
+                        <a:t>외부조회</a:t>
+                      </a:r>
+                    </a:p>
+                  </a:txBody>
+                  <a:tcPr/>
+                </a:tc>
+                <a:tc>
+                  <a:txBody>
+                    <a:bodyPr/>
+                    <a:lstStyle/>
+                    <a:p>
+                      <a:pPr latinLnBrk="1"/>
+                      <a:r>
+                        <a:rPr lang="ko-KR" altLang="en-US" dirty="0"/>
+                        <a:t>가중치</a:t>
+                      </a:r>
+                    </a:p>
+                  </a:txBody>
+                  <a:tcPr/>
+                </a:tc>
+                <a:extLst>
+                  <a:ext uri="{0D108BD9-81ED-4DB2-BD59-A6C34878D82A}">
+                    <a16:rowId xmlns:a16="http://schemas.microsoft.com/office/drawing/2014/main" val="1019504977"/>
+                  </a:ext>
+                </a:extLst>
+              </a:tr>
+              <a:tr h="333720">
+                <a:tc>
+                  <a:txBody>
+                    <a:bodyPr/>
+                    <a:lstStyle/>
+                    <a:p>
+                      <a:pPr latinLnBrk="1"/>
+                      <a:r>
+                        <a:rPr lang="ko-KR" altLang="en-US" dirty="0"/>
+                        <a:t>로그인</a:t>
+                      </a:r>
+                    </a:p>
+                  </a:txBody>
+                  <a:tcPr/>
+                </a:tc>
+                <a:tc rowSpan="9">
+                  <a:txBody>
+                    <a:bodyPr/>
+                    <a:lstStyle/>
+                    <a:p>
+                      <a:pPr latinLnBrk="1"/>
+                      <a:r>
+                        <a:rPr lang="en-US" altLang="ko-KR" dirty="0"/>
+                        <a:t>3</a:t>
+                      </a:r>
+                      <a:endParaRPr lang="ko-KR" altLang="en-US" dirty="0"/>
+                    </a:p>
+                  </a:txBody>
+                  <a:tcPr/>
+                </a:tc>
+                <a:extLst>
+                  <a:ext uri="{0D108BD9-81ED-4DB2-BD59-A6C34878D82A}">
+                    <a16:rowId xmlns:a16="http://schemas.microsoft.com/office/drawing/2014/main" val="139679489"/>
+                  </a:ext>
+                </a:extLst>
+              </a:tr>
+              <a:tr h="333720">
+                <a:tc>
+                  <a:txBody>
+                    <a:bodyPr/>
+                    <a:lstStyle/>
+                    <a:p>
+                      <a:pPr latinLnBrk="1"/>
+                      <a:r>
+                        <a:rPr lang="ko-KR" altLang="en-US" dirty="0"/>
+                        <a:t>관리자 인증</a:t>
+                      </a:r>
+                    </a:p>
+                  </a:txBody>
+                  <a:tcPr/>
+                </a:tc>
+                <a:tc vMerge="1">
+                  <a:txBody>
+                    <a:bodyPr/>
+                    <a:lstStyle/>
+                    <a:p>
+                      <a:pPr latinLnBrk="1"/>
+                      <a:endParaRPr lang="ko-KR" altLang="en-US" dirty="0"/>
+                    </a:p>
+                  </a:txBody>
+                  <a:tcPr/>
+                </a:tc>
+                <a:extLst>
+                  <a:ext uri="{0D108BD9-81ED-4DB2-BD59-A6C34878D82A}">
+                    <a16:rowId xmlns:a16="http://schemas.microsoft.com/office/drawing/2014/main" val="1342143102"/>
+                  </a:ext>
+                </a:extLst>
+              </a:tr>
+              <a:tr h="333720">
+                <a:tc>
+                  <a:txBody>
+                    <a:bodyPr/>
+                    <a:lstStyle/>
+                    <a:p>
+                      <a:pPr latinLnBrk="1"/>
+                      <a:r>
+                        <a:rPr lang="ko-KR" altLang="en-US" dirty="0"/>
+                        <a:t>기업 리스트 조회</a:t>
+                      </a:r>
+                    </a:p>
+                  </a:txBody>
+                  <a:tcPr/>
+                </a:tc>
+                <a:tc vMerge="1">
+                  <a:txBody>
+                    <a:bodyPr/>
+                    <a:lstStyle/>
+                    <a:p>
+                      <a:pPr latinLnBrk="1"/>
+                      <a:endParaRPr lang="ko-KR" altLang="en-US"/>
+                    </a:p>
+                  </a:txBody>
+                  <a:tcPr/>
+                </a:tc>
+                <a:extLst>
+                  <a:ext uri="{0D108BD9-81ED-4DB2-BD59-A6C34878D82A}">
+                    <a16:rowId xmlns:a16="http://schemas.microsoft.com/office/drawing/2014/main" val="603212781"/>
+                  </a:ext>
+                </a:extLst>
+              </a:tr>
+              <a:tr h="333720">
+                <a:tc>
+                  <a:txBody>
+                    <a:bodyPr/>
+                    <a:lstStyle/>
+                    <a:p>
+                      <a:pPr latinLnBrk="1"/>
+                      <a:r>
+                        <a:rPr lang="ko-KR" altLang="en-US" dirty="0"/>
+                        <a:t>기업 기사 리스트 조회</a:t>
+                      </a:r>
+                    </a:p>
+                  </a:txBody>
+                  <a:tcPr/>
+                </a:tc>
+                <a:tc vMerge="1">
+                  <a:txBody>
+                    <a:bodyPr/>
+                    <a:lstStyle/>
+                    <a:p>
+                      <a:pPr latinLnBrk="1"/>
+                      <a:endParaRPr lang="ko-KR" altLang="en-US" dirty="0"/>
+                    </a:p>
+                  </a:txBody>
+                  <a:tcPr/>
+                </a:tc>
+                <a:extLst>
+                  <a:ext uri="{0D108BD9-81ED-4DB2-BD59-A6C34878D82A}">
+                    <a16:rowId xmlns:a16="http://schemas.microsoft.com/office/drawing/2014/main" val="2468958037"/>
+                  </a:ext>
+                </a:extLst>
+              </a:tr>
+              <a:tr h="333720">
+                <a:tc>
+                  <a:txBody>
+                    <a:bodyPr/>
+                    <a:lstStyle/>
+                    <a:p>
+                      <a:pPr latinLnBrk="1"/>
+                      <a:r>
+                        <a:rPr lang="ko-KR" altLang="en-US" dirty="0"/>
+                        <a:t>관심기업 리스트 조회</a:t>
+                      </a:r>
+                    </a:p>
+                  </a:txBody>
+                  <a:tcPr/>
+                </a:tc>
+                <a:tc vMerge="1">
+                  <a:txBody>
+                    <a:bodyPr/>
+                    <a:lstStyle/>
+                    <a:p>
+                      <a:pPr latinLnBrk="1"/>
+                      <a:endParaRPr lang="ko-KR" altLang="en-US" dirty="0"/>
+                    </a:p>
+                  </a:txBody>
+                  <a:tcPr/>
+                </a:tc>
+                <a:extLst>
+                  <a:ext uri="{0D108BD9-81ED-4DB2-BD59-A6C34878D82A}">
+                    <a16:rowId xmlns:a16="http://schemas.microsoft.com/office/drawing/2014/main" val="3195752379"/>
+                  </a:ext>
+                </a:extLst>
+              </a:tr>
+              <a:tr h="333720">
+                <a:tc>
+                  <a:txBody>
+                    <a:bodyPr/>
+                    <a:lstStyle/>
+                    <a:p>
+                      <a:pPr latinLnBrk="1"/>
+                      <a:r>
+                        <a:rPr lang="ko-KR" altLang="en-US" dirty="0"/>
+                        <a:t>최근 검색 기업 리스트 조회</a:t>
+                      </a:r>
+                    </a:p>
+                  </a:txBody>
+                  <a:tcPr/>
+                </a:tc>
+                <a:tc vMerge="1">
+                  <a:txBody>
+                    <a:bodyPr/>
+                    <a:lstStyle/>
+                    <a:p>
+                      <a:pPr latinLnBrk="1"/>
+                      <a:endParaRPr lang="ko-KR" altLang="en-US" dirty="0"/>
+                    </a:p>
+                  </a:txBody>
+                  <a:tcPr/>
+                </a:tc>
+                <a:extLst>
+                  <a:ext uri="{0D108BD9-81ED-4DB2-BD59-A6C34878D82A}">
+                    <a16:rowId xmlns:a16="http://schemas.microsoft.com/office/drawing/2014/main" val="3718538283"/>
+                  </a:ext>
+                </a:extLst>
+              </a:tr>
+              <a:tr h="333720">
+                <a:tc>
+                  <a:txBody>
+                    <a:bodyPr/>
+                    <a:lstStyle/>
+                    <a:p>
+                      <a:pPr latinLnBrk="1"/>
+                      <a:r>
+                        <a:rPr lang="ko-KR" altLang="en-US" dirty="0"/>
+                        <a:t>공지사항 리스트 조회</a:t>
+                      </a:r>
+                    </a:p>
+                  </a:txBody>
+                  <a:tcPr/>
+                </a:tc>
+                <a:tc vMerge="1">
+                  <a:txBody>
+                    <a:bodyPr/>
+                    <a:lstStyle/>
+                    <a:p>
+                      <a:pPr latinLnBrk="1"/>
+                      <a:endParaRPr lang="ko-KR" altLang="en-US"/>
+                    </a:p>
+                  </a:txBody>
+                  <a:tcPr/>
+                </a:tc>
+                <a:extLst>
+                  <a:ext uri="{0D108BD9-81ED-4DB2-BD59-A6C34878D82A}">
+                    <a16:rowId xmlns:a16="http://schemas.microsoft.com/office/drawing/2014/main" val="788962308"/>
+                  </a:ext>
+                </a:extLst>
+              </a:tr>
+              <a:tr h="333720">
+                <a:tc>
+                  <a:txBody>
+                    <a:bodyPr/>
+                    <a:lstStyle/>
+                    <a:p>
+                      <a:pPr latinLnBrk="1"/>
+                      <a:r>
+                        <a:rPr lang="ko-KR" altLang="en-US" dirty="0"/>
+                        <a:t>고객후기 리스트 조회</a:t>
+                      </a:r>
+                    </a:p>
+                  </a:txBody>
+                  <a:tcPr/>
+                </a:tc>
+                <a:tc vMerge="1">
+                  <a:txBody>
+                    <a:bodyPr/>
+                    <a:lstStyle/>
+                    <a:p>
+                      <a:pPr latinLnBrk="1"/>
+                      <a:endParaRPr lang="ko-KR" altLang="en-US" dirty="0"/>
+                    </a:p>
+                  </a:txBody>
+                  <a:tcPr/>
+                </a:tc>
+                <a:extLst>
+                  <a:ext uri="{0D108BD9-81ED-4DB2-BD59-A6C34878D82A}">
+                    <a16:rowId xmlns:a16="http://schemas.microsoft.com/office/drawing/2014/main" val="3296620611"/>
+                  </a:ext>
+                </a:extLst>
+              </a:tr>
+              <a:tr h="333720">
+                <a:tc>
+                  <a:txBody>
+                    <a:bodyPr/>
+                    <a:lstStyle/>
+                    <a:p>
+                      <a:pPr latinLnBrk="1"/>
+                      <a:r>
+                        <a:rPr lang="ko-KR" altLang="en-US" dirty="0"/>
+                        <a:t>내가 쓴 글 목록조회</a:t>
+                      </a:r>
+                    </a:p>
+                  </a:txBody>
+                  <a:tcPr/>
+                </a:tc>
+                <a:tc vMerge="1">
+                  <a:txBody>
+                    <a:bodyPr/>
+                    <a:lstStyle/>
+                    <a:p>
+                      <a:pPr latinLnBrk="1"/>
+                      <a:endParaRPr lang="ko-KR" altLang="en-US" dirty="0"/>
+                    </a:p>
+                  </a:txBody>
+                  <a:tcPr/>
+                </a:tc>
+                <a:extLst>
+                  <a:ext uri="{0D108BD9-81ED-4DB2-BD59-A6C34878D82A}">
+                    <a16:rowId xmlns:a16="http://schemas.microsoft.com/office/drawing/2014/main" val="4273023804"/>
+                  </a:ext>
+                </a:extLst>
+              </a:tr>
+            </a:tbl>
+          </a:graphicData>
+        </a:graphic>
+      </p:graphicFrame>
     </p:spTree>
     <p:extLst>
       <p:ext uri="{BB962C8B-B14F-4D97-AF65-F5344CB8AC3E}">
@@ -7328,6 +8309,427 @@
           </a:p>
         </p:txBody>
       </p:sp>
+      <p:graphicFrame>
+        <p:nvGraphicFramePr>
+          <p:cNvPr id="4" name="표 4">
+            <a:extLst>
+              <a:ext uri="{FF2B5EF4-FFF2-40B4-BE49-F238E27FC236}">
+                <a16:creationId xmlns:a16="http://schemas.microsoft.com/office/drawing/2014/main" id="{F34212A2-8074-4311-A1B1-C9B542B86DAD}"/>
+              </a:ext>
+            </a:extLst>
+          </p:cNvPr>
+          <p:cNvGraphicFramePr>
+            <a:graphicFrameLocks noGrp="1"/>
+          </p:cNvGraphicFramePr>
+          <p:nvPr>
+            <p:extLst>
+              <p:ext uri="{D42A27DB-BD31-4B8C-83A1-F6EECF244321}">
+                <p14:modId xmlns:p14="http://schemas.microsoft.com/office/powerpoint/2010/main" val="2716531091"/>
+              </p:ext>
+            </p:extLst>
+          </p:nvPr>
+        </p:nvGraphicFramePr>
+        <p:xfrm>
+          <a:off x="1679073" y="2703354"/>
+          <a:ext cx="8127999" cy="2686793"/>
+        </p:xfrm>
+        <a:graphic>
+          <a:graphicData uri="http://schemas.openxmlformats.org/drawingml/2006/table">
+            <a:tbl>
+              <a:tblPr firstRow="1" bandRow="1">
+                <a:tableStyleId>{5C22544A-7EE6-4342-B048-85BDC9FD1C3A}</a:tableStyleId>
+              </a:tblPr>
+              <a:tblGrid>
+                <a:gridCol w="2709333">
+                  <a:extLst>
+                    <a:ext uri="{9D8B030D-6E8A-4147-A177-3AD203B41FA5}">
+                      <a16:colId xmlns:a16="http://schemas.microsoft.com/office/drawing/2014/main" val="2946060659"/>
+                    </a:ext>
+                  </a:extLst>
+                </a:gridCol>
+                <a:gridCol w="2709333">
+                  <a:extLst>
+                    <a:ext uri="{9D8B030D-6E8A-4147-A177-3AD203B41FA5}">
+                      <a16:colId xmlns:a16="http://schemas.microsoft.com/office/drawing/2014/main" val="1841478294"/>
+                    </a:ext>
+                  </a:extLst>
+                </a:gridCol>
+                <a:gridCol w="2709333">
+                  <a:extLst>
+                    <a:ext uri="{9D8B030D-6E8A-4147-A177-3AD203B41FA5}">
+                      <a16:colId xmlns:a16="http://schemas.microsoft.com/office/drawing/2014/main" val="1205767770"/>
+                    </a:ext>
+                  </a:extLst>
+                </a:gridCol>
+              </a:tblGrid>
+              <a:tr h="370840">
+                <a:tc>
+                  <a:txBody>
+                    <a:bodyPr/>
+                    <a:lstStyle/>
+                    <a:p>
+                      <a:pPr latinLnBrk="1"/>
+                      <a:r>
+                        <a:rPr lang="ko-KR" altLang="en-US" dirty="0"/>
+                        <a:t>기능유형</a:t>
+                      </a:r>
+                    </a:p>
+                  </a:txBody>
+                  <a:tcPr/>
+                </a:tc>
+                <a:tc>
+                  <a:txBody>
+                    <a:bodyPr/>
+                    <a:lstStyle/>
+                    <a:p>
+                      <a:pPr latinLnBrk="1"/>
+                      <a:r>
+                        <a:rPr lang="ko-KR" altLang="en-US" dirty="0"/>
+                        <a:t>가중치</a:t>
+                      </a:r>
+                      <a:r>
+                        <a:rPr lang="en-US" altLang="ko-KR" dirty="0"/>
+                        <a:t>(</a:t>
+                      </a:r>
+                      <a:r>
+                        <a:rPr lang="ko-KR" altLang="en-US" dirty="0"/>
+                        <a:t>낮음</a:t>
+                      </a:r>
+                      <a:r>
+                        <a:rPr lang="en-US" altLang="ko-KR" dirty="0"/>
+                        <a:t>)</a:t>
+                      </a:r>
+                      <a:endParaRPr lang="ko-KR" altLang="en-US" dirty="0"/>
+                    </a:p>
+                  </a:txBody>
+                  <a:tcPr/>
+                </a:tc>
+                <a:tc>
+                  <a:txBody>
+                    <a:bodyPr/>
+                    <a:lstStyle/>
+                    <a:p>
+                      <a:pPr latinLnBrk="1"/>
+                      <a:r>
+                        <a:rPr lang="ko-KR" altLang="en-US" dirty="0"/>
+                        <a:t>합계</a:t>
+                      </a:r>
+                    </a:p>
+                  </a:txBody>
+                  <a:tcPr/>
+                </a:tc>
+                <a:extLst>
+                  <a:ext uri="{0D108BD9-81ED-4DB2-BD59-A6C34878D82A}">
+                    <a16:rowId xmlns:a16="http://schemas.microsoft.com/office/drawing/2014/main" val="3124930614"/>
+                  </a:ext>
+                </a:extLst>
+              </a:tr>
+              <a:tr h="370840">
+                <a:tc>
+                  <a:txBody>
+                    <a:bodyPr/>
+                    <a:lstStyle/>
+                    <a:p>
+                      <a:pPr latinLnBrk="1"/>
+                      <a:r>
+                        <a:rPr lang="ko-KR" altLang="en-US" dirty="0"/>
+                        <a:t>내부논리파일</a:t>
+                      </a:r>
+                    </a:p>
+                  </a:txBody>
+                  <a:tcPr/>
+                </a:tc>
+                <a:tc>
+                  <a:txBody>
+                    <a:bodyPr/>
+                    <a:lstStyle/>
+                    <a:p>
+                      <a:pPr latinLnBrk="1"/>
+                      <a:r>
+                        <a:rPr lang="en-US" altLang="ko-KR" dirty="0"/>
+                        <a:t>4 * 7</a:t>
+                      </a:r>
+                      <a:endParaRPr lang="ko-KR" altLang="en-US" dirty="0"/>
+                    </a:p>
+                  </a:txBody>
+                  <a:tcPr/>
+                </a:tc>
+                <a:tc>
+                  <a:txBody>
+                    <a:bodyPr/>
+                    <a:lstStyle/>
+                    <a:p>
+                      <a:pPr latinLnBrk="1"/>
+                      <a:r>
+                        <a:rPr lang="en-US" altLang="ko-KR" dirty="0"/>
+                        <a:t>28</a:t>
+                      </a:r>
+                      <a:endParaRPr lang="ko-KR" altLang="en-US" dirty="0"/>
+                    </a:p>
+                  </a:txBody>
+                  <a:tcPr/>
+                </a:tc>
+                <a:extLst>
+                  <a:ext uri="{0D108BD9-81ED-4DB2-BD59-A6C34878D82A}">
+                    <a16:rowId xmlns:a16="http://schemas.microsoft.com/office/drawing/2014/main" val="3360720759"/>
+                  </a:ext>
+                </a:extLst>
+              </a:tr>
+              <a:tr h="370840">
+                <a:tc>
+                  <a:txBody>
+                    <a:bodyPr/>
+                    <a:lstStyle/>
+                    <a:p>
+                      <a:pPr latinLnBrk="1"/>
+                      <a:r>
+                        <a:rPr lang="ko-KR" altLang="en-US" dirty="0"/>
+                        <a:t>외부연계파일</a:t>
+                      </a:r>
+                    </a:p>
+                  </a:txBody>
+                  <a:tcPr/>
+                </a:tc>
+                <a:tc>
+                  <a:txBody>
+                    <a:bodyPr/>
+                    <a:lstStyle/>
+                    <a:p>
+                      <a:pPr latinLnBrk="1"/>
+                      <a:r>
+                        <a:rPr lang="en-US" altLang="ko-KR" dirty="0"/>
+                        <a:t>0</a:t>
+                      </a:r>
+                      <a:endParaRPr lang="ko-KR" altLang="en-US" dirty="0"/>
+                    </a:p>
+                  </a:txBody>
+                  <a:tcPr/>
+                </a:tc>
+                <a:tc>
+                  <a:txBody>
+                    <a:bodyPr/>
+                    <a:lstStyle/>
+                    <a:p>
+                      <a:pPr latinLnBrk="1"/>
+                      <a:r>
+                        <a:rPr lang="en-US" altLang="ko-KR" dirty="0"/>
+                        <a:t>0</a:t>
+                      </a:r>
+                      <a:endParaRPr lang="ko-KR" altLang="en-US" dirty="0"/>
+                    </a:p>
+                  </a:txBody>
+                  <a:tcPr/>
+                </a:tc>
+                <a:extLst>
+                  <a:ext uri="{0D108BD9-81ED-4DB2-BD59-A6C34878D82A}">
+                    <a16:rowId xmlns:a16="http://schemas.microsoft.com/office/drawing/2014/main" val="1491805718"/>
+                  </a:ext>
+                </a:extLst>
+              </a:tr>
+              <a:tr h="370840">
+                <a:tc>
+                  <a:txBody>
+                    <a:bodyPr/>
+                    <a:lstStyle/>
+                    <a:p>
+                      <a:pPr latinLnBrk="1"/>
+                      <a:r>
+                        <a:rPr lang="ko-KR" altLang="en-US" dirty="0"/>
+                        <a:t>외부입력</a:t>
+                      </a:r>
+                    </a:p>
+                  </a:txBody>
+                  <a:tcPr/>
+                </a:tc>
+                <a:tc>
+                  <a:txBody>
+                    <a:bodyPr/>
+                    <a:lstStyle/>
+                    <a:p>
+                      <a:pPr latinLnBrk="1"/>
+                      <a:r>
+                        <a:rPr lang="en-US" altLang="ko-KR" dirty="0"/>
+                        <a:t>11 * 3</a:t>
+                      </a:r>
+                      <a:endParaRPr lang="ko-KR" altLang="en-US" dirty="0"/>
+                    </a:p>
+                  </a:txBody>
+                  <a:tcPr/>
+                </a:tc>
+                <a:tc>
+                  <a:txBody>
+                    <a:bodyPr/>
+                    <a:lstStyle/>
+                    <a:p>
+                      <a:pPr latinLnBrk="1"/>
+                      <a:r>
+                        <a:rPr lang="en-US" altLang="ko-KR" dirty="0"/>
+                        <a:t>33</a:t>
+                      </a:r>
+                      <a:endParaRPr lang="ko-KR" altLang="en-US" dirty="0"/>
+                    </a:p>
+                  </a:txBody>
+                  <a:tcPr/>
+                </a:tc>
+                <a:extLst>
+                  <a:ext uri="{0D108BD9-81ED-4DB2-BD59-A6C34878D82A}">
+                    <a16:rowId xmlns:a16="http://schemas.microsoft.com/office/drawing/2014/main" val="2352072076"/>
+                  </a:ext>
+                </a:extLst>
+              </a:tr>
+              <a:tr h="370840">
+                <a:tc>
+                  <a:txBody>
+                    <a:bodyPr/>
+                    <a:lstStyle/>
+                    <a:p>
+                      <a:pPr latinLnBrk="1"/>
+                      <a:r>
+                        <a:rPr lang="ko-KR" altLang="en-US" dirty="0"/>
+                        <a:t>외부출력</a:t>
+                      </a:r>
+                    </a:p>
+                  </a:txBody>
+                  <a:tcPr/>
+                </a:tc>
+                <a:tc>
+                  <a:txBody>
+                    <a:bodyPr/>
+                    <a:lstStyle/>
+                    <a:p>
+                      <a:pPr latinLnBrk="1"/>
+                      <a:r>
+                        <a:rPr lang="en-US" altLang="ko-KR" dirty="0"/>
+                        <a:t>0</a:t>
+                      </a:r>
+                      <a:endParaRPr lang="ko-KR" altLang="en-US" dirty="0"/>
+                    </a:p>
+                  </a:txBody>
+                  <a:tcPr/>
+                </a:tc>
+                <a:tc>
+                  <a:txBody>
+                    <a:bodyPr/>
+                    <a:lstStyle/>
+                    <a:p>
+                      <a:pPr latinLnBrk="1"/>
+                      <a:r>
+                        <a:rPr lang="en-US" altLang="ko-KR" dirty="0"/>
+                        <a:t>0</a:t>
+                      </a:r>
+                      <a:endParaRPr lang="ko-KR" altLang="en-US" dirty="0"/>
+                    </a:p>
+                  </a:txBody>
+                  <a:tcPr/>
+                </a:tc>
+                <a:extLst>
+                  <a:ext uri="{0D108BD9-81ED-4DB2-BD59-A6C34878D82A}">
+                    <a16:rowId xmlns:a16="http://schemas.microsoft.com/office/drawing/2014/main" val="1825368302"/>
+                  </a:ext>
+                </a:extLst>
+              </a:tr>
+              <a:tr h="370840">
+                <a:tc>
+                  <a:txBody>
+                    <a:bodyPr/>
+                    <a:lstStyle/>
+                    <a:p>
+                      <a:pPr latinLnBrk="1"/>
+                      <a:r>
+                        <a:rPr lang="ko-KR" altLang="en-US" dirty="0"/>
+                        <a:t>외부조회</a:t>
+                      </a:r>
+                    </a:p>
+                  </a:txBody>
+                  <a:tcPr/>
+                </a:tc>
+                <a:tc>
+                  <a:txBody>
+                    <a:bodyPr/>
+                    <a:lstStyle/>
+                    <a:p>
+                      <a:pPr latinLnBrk="1"/>
+                      <a:r>
+                        <a:rPr lang="en-US" altLang="ko-KR" dirty="0"/>
+                        <a:t>9 * 3</a:t>
+                      </a:r>
+                      <a:endParaRPr lang="ko-KR" altLang="en-US" dirty="0"/>
+                    </a:p>
+                  </a:txBody>
+                  <a:tcPr/>
+                </a:tc>
+                <a:tc>
+                  <a:txBody>
+                    <a:bodyPr/>
+                    <a:lstStyle/>
+                    <a:p>
+                      <a:pPr latinLnBrk="1"/>
+                      <a:r>
+                        <a:rPr lang="en-US" altLang="ko-KR" dirty="0"/>
+                        <a:t>27</a:t>
+                      </a:r>
+                      <a:endParaRPr lang="ko-KR" altLang="en-US" dirty="0"/>
+                    </a:p>
+                  </a:txBody>
+                  <a:tcPr/>
+                </a:tc>
+                <a:extLst>
+                  <a:ext uri="{0D108BD9-81ED-4DB2-BD59-A6C34878D82A}">
+                    <a16:rowId xmlns:a16="http://schemas.microsoft.com/office/drawing/2014/main" val="1492648902"/>
+                  </a:ext>
+                </a:extLst>
+              </a:tr>
+              <a:tr h="461753">
+                <a:tc gridSpan="2">
+                  <a:txBody>
+                    <a:bodyPr/>
+                    <a:lstStyle/>
+                    <a:p>
+                      <a:pPr latinLnBrk="1"/>
+                      <a:r>
+                        <a:rPr lang="ko-KR" altLang="en-US" dirty="0"/>
+                        <a:t>총 기능점수</a:t>
+                      </a:r>
+                    </a:p>
+                  </a:txBody>
+                  <a:tcPr/>
+                </a:tc>
+                <a:tc hMerge="1">
+                  <a:txBody>
+                    <a:bodyPr/>
+                    <a:lstStyle/>
+                    <a:p>
+                      <a:pPr latinLnBrk="1"/>
+                      <a:endParaRPr lang="ko-KR" altLang="en-US" dirty="0"/>
+                    </a:p>
+                  </a:txBody>
+                  <a:tcPr/>
+                </a:tc>
+                <a:tc>
+                  <a:txBody>
+                    <a:bodyPr/>
+                    <a:lstStyle/>
+                    <a:p>
+                      <a:pPr latinLnBrk="1"/>
+                      <a:r>
+                        <a:rPr lang="en-US" altLang="ko-KR" dirty="0"/>
+                        <a:t>88</a:t>
+                      </a:r>
+                      <a:endParaRPr lang="ko-KR" altLang="en-US" dirty="0"/>
+                    </a:p>
+                  </a:txBody>
+                  <a:tcPr/>
+                </a:tc>
+                <a:extLst>
+                  <a:ext uri="{0D108BD9-81ED-4DB2-BD59-A6C34878D82A}">
+                    <a16:rowId xmlns:a16="http://schemas.microsoft.com/office/drawing/2014/main" val="2633341859"/>
+                  </a:ext>
+                </a:extLst>
+              </a:tr>
+            </a:tbl>
+          </a:graphicData>
+        </a:graphic>
+      </p:graphicFrame>
     </p:spTree>
     <p:extLst>
       <p:ext uri="{BB962C8B-B14F-4D97-AF65-F5344CB8AC3E}">
@@ -7429,19 +8831,384 @@
             </a:r>
             <a:r>
               <a:rPr lang="ko-KR" altLang="en-US" dirty="0"/>
-              <a:t>년 기준 기능점수당 단가 표시</a:t>
-            </a:r>
-            <a:r>
-              <a:rPr lang="en-US" altLang="ko-KR" dirty="0"/>
-              <a:t>, </a:t>
-            </a:r>
-            <a:r>
-              <a:rPr lang="ko-KR" altLang="en-US" dirty="0"/>
-              <a:t>보정계수들 나열</a:t>
-            </a:r>
-          </a:p>
-        </p:txBody>
-      </p:sp>
+              <a:t>년 기준 기능점수당 단가</a:t>
+            </a:r>
+            <a:r>
+              <a:rPr lang="en-US" altLang="ko-KR" dirty="0"/>
+              <a:t>: 553,114</a:t>
+            </a:r>
+            <a:r>
+              <a:rPr lang="ko-KR" altLang="en-US" dirty="0"/>
+              <a:t>원</a:t>
+            </a:r>
+            <a:endParaRPr lang="en-US" altLang="ko-KR" dirty="0"/>
+          </a:p>
+          <a:p>
+            <a:r>
+              <a:rPr lang="ko-KR" altLang="en-US" dirty="0" err="1"/>
+              <a:t>보정전</a:t>
+            </a:r>
+            <a:r>
+              <a:rPr lang="ko-KR" altLang="en-US" dirty="0"/>
+              <a:t> 개발원가 </a:t>
+            </a:r>
+            <a:r>
+              <a:rPr lang="en-US" altLang="ko-KR" dirty="0"/>
+              <a:t>= 88 x 553,114 = 48,674,032</a:t>
+            </a:r>
+            <a:r>
+              <a:rPr lang="ko-KR" altLang="en-US" dirty="0"/>
+              <a:t>원</a:t>
+            </a:r>
+            <a:endParaRPr lang="en-US" altLang="ko-KR" dirty="0"/>
+          </a:p>
+          <a:p>
+            <a:r>
+              <a:rPr lang="ko-KR" altLang="en-US" dirty="0"/>
+              <a:t>기능 점수가 </a:t>
+            </a:r>
+            <a:r>
+              <a:rPr lang="en-US" altLang="ko-KR" dirty="0"/>
+              <a:t>500FP </a:t>
+            </a:r>
+            <a:r>
+              <a:rPr lang="ko-KR" altLang="en-US" dirty="0"/>
+              <a:t>미만이므로 규모 보정계수 </a:t>
+            </a:r>
+            <a:r>
+              <a:rPr lang="en-US" altLang="ko-KR" dirty="0"/>
+              <a:t>= 1.28</a:t>
+            </a:r>
+          </a:p>
+          <a:p>
+            <a:r>
+              <a:rPr lang="ko-KR" altLang="en-US" dirty="0"/>
+              <a:t>그 외 애플리케이션 복잡도 보정계수는 모두 제일 낮은 수준으로 측정</a:t>
+            </a:r>
+            <a:endParaRPr lang="en-US" altLang="ko-KR" dirty="0"/>
+          </a:p>
+          <a:p>
+            <a:pPr marL="0" indent="0">
+              <a:buNone/>
+            </a:pPr>
+            <a:endParaRPr lang="ko-KR" altLang="en-US" dirty="0"/>
+          </a:p>
+        </p:txBody>
+      </p:sp>
+      <p:graphicFrame>
+        <p:nvGraphicFramePr>
+          <p:cNvPr id="4" name="표 4">
+            <a:extLst>
+              <a:ext uri="{FF2B5EF4-FFF2-40B4-BE49-F238E27FC236}">
+                <a16:creationId xmlns:a16="http://schemas.microsoft.com/office/drawing/2014/main" id="{FD750EFE-CA9C-4B02-BEA5-E4E0CF0E04A6}"/>
+              </a:ext>
+            </a:extLst>
+          </p:cNvPr>
+          <p:cNvGraphicFramePr>
+            <a:graphicFrameLocks noGrp="1"/>
+          </p:cNvGraphicFramePr>
+          <p:nvPr>
+            <p:extLst>
+              <p:ext uri="{D42A27DB-BD31-4B8C-83A1-F6EECF244321}">
+                <p14:modId xmlns:p14="http://schemas.microsoft.com/office/powerpoint/2010/main" val="808260512"/>
+              </p:ext>
+            </p:extLst>
+          </p:nvPr>
+        </p:nvGraphicFramePr>
+        <p:xfrm>
+          <a:off x="1117600" y="4327843"/>
+          <a:ext cx="8127999" cy="1849120"/>
+        </p:xfrm>
+        <a:graphic>
+          <a:graphicData uri="http://schemas.openxmlformats.org/drawingml/2006/table">
+            <a:tbl>
+              <a:tblPr firstRow="1" bandRow="1">
+                <a:tableStyleId>{5C22544A-7EE6-4342-B048-85BDC9FD1C3A}</a:tableStyleId>
+              </a:tblPr>
+              <a:tblGrid>
+                <a:gridCol w="2709333">
+                  <a:extLst>
+                    <a:ext uri="{9D8B030D-6E8A-4147-A177-3AD203B41FA5}">
+                      <a16:colId xmlns:a16="http://schemas.microsoft.com/office/drawing/2014/main" val="4261628241"/>
+                    </a:ext>
+                  </a:extLst>
+                </a:gridCol>
+                <a:gridCol w="2709333">
+                  <a:extLst>
+                    <a:ext uri="{9D8B030D-6E8A-4147-A177-3AD203B41FA5}">
+                      <a16:colId xmlns:a16="http://schemas.microsoft.com/office/drawing/2014/main" val="2505202112"/>
+                    </a:ext>
+                  </a:extLst>
+                </a:gridCol>
+                <a:gridCol w="2709333">
+                  <a:extLst>
+                    <a:ext uri="{9D8B030D-6E8A-4147-A177-3AD203B41FA5}">
+                      <a16:colId xmlns:a16="http://schemas.microsoft.com/office/drawing/2014/main" val="2228934866"/>
+                    </a:ext>
+                  </a:extLst>
+                </a:gridCol>
+              </a:tblGrid>
+              <a:tr h="0">
+                <a:tc>
+                  <a:txBody>
+                    <a:bodyPr/>
+                    <a:lstStyle/>
+                    <a:p>
+                      <a:pPr latinLnBrk="1"/>
+                      <a:r>
+                        <a:rPr lang="ko-KR" altLang="en-US" dirty="0"/>
+                        <a:t>보정요인</a:t>
+                      </a:r>
+                    </a:p>
+                  </a:txBody>
+                  <a:tcPr/>
+                </a:tc>
+                <a:tc>
+                  <a:txBody>
+                    <a:bodyPr/>
+                    <a:lstStyle/>
+                    <a:p>
+                      <a:pPr latinLnBrk="1"/>
+                      <a:r>
+                        <a:rPr lang="ko-KR" altLang="en-US" dirty="0"/>
+                        <a:t>난이도 수준</a:t>
+                      </a:r>
+                    </a:p>
+                  </a:txBody>
+                  <a:tcPr/>
+                </a:tc>
+                <a:tc>
+                  <a:txBody>
+                    <a:bodyPr/>
+                    <a:lstStyle/>
+                    <a:p>
+                      <a:pPr latinLnBrk="1"/>
+                      <a:r>
+                        <a:rPr lang="ko-KR" altLang="en-US" dirty="0"/>
+                        <a:t>계수</a:t>
+                      </a:r>
+                    </a:p>
+                  </a:txBody>
+                  <a:tcPr/>
+                </a:tc>
+                <a:extLst>
+                  <a:ext uri="{0D108BD9-81ED-4DB2-BD59-A6C34878D82A}">
+                    <a16:rowId xmlns:a16="http://schemas.microsoft.com/office/drawing/2014/main" val="233667019"/>
+                  </a:ext>
+                </a:extLst>
+              </a:tr>
+              <a:tr h="370840">
+                <a:tc>
+                  <a:txBody>
+                    <a:bodyPr/>
+                    <a:lstStyle/>
+                    <a:p>
+                      <a:pPr latinLnBrk="1"/>
+                      <a:r>
+                        <a:rPr lang="ko-KR" altLang="en-US" dirty="0" err="1"/>
+                        <a:t>연계복잡성</a:t>
+                      </a:r>
+                      <a:r>
+                        <a:rPr lang="ko-KR" altLang="en-US" dirty="0"/>
+                        <a:t> 수준</a:t>
+                      </a:r>
+                    </a:p>
+                  </a:txBody>
+                  <a:tcPr/>
+                </a:tc>
+                <a:tc>
+                  <a:txBody>
+                    <a:bodyPr/>
+                    <a:lstStyle/>
+                    <a:p>
+                      <a:pPr latinLnBrk="1"/>
+                      <a:r>
+                        <a:rPr lang="ko-KR" altLang="en-US" dirty="0"/>
+                        <a:t>타기관 연계 없음</a:t>
+                      </a:r>
+                    </a:p>
+                  </a:txBody>
+                  <a:tcPr/>
+                </a:tc>
+                <a:tc>
+                  <a:txBody>
+                    <a:bodyPr/>
+                    <a:lstStyle/>
+                    <a:p>
+                      <a:pPr latinLnBrk="1"/>
+                      <a:r>
+                        <a:rPr lang="en-US" altLang="ko-KR" dirty="0"/>
+                        <a:t>0.88</a:t>
+                      </a:r>
+                      <a:endParaRPr lang="ko-KR" altLang="en-US" dirty="0"/>
+                    </a:p>
+                  </a:txBody>
+                  <a:tcPr/>
+                </a:tc>
+                <a:extLst>
+                  <a:ext uri="{0D108BD9-81ED-4DB2-BD59-A6C34878D82A}">
+                    <a16:rowId xmlns:a16="http://schemas.microsoft.com/office/drawing/2014/main" val="927979591"/>
+                  </a:ext>
+                </a:extLst>
+              </a:tr>
+              <a:tr h="370840">
+                <a:tc>
+                  <a:txBody>
+                    <a:bodyPr/>
+                    <a:lstStyle/>
+                    <a:p>
+                      <a:pPr latinLnBrk="1"/>
+                      <a:r>
+                        <a:rPr lang="ko-KR" altLang="en-US" dirty="0"/>
+                        <a:t>성능 요구수준</a:t>
+                      </a:r>
+                    </a:p>
+                  </a:txBody>
+                  <a:tcPr/>
+                </a:tc>
+                <a:tc>
+                  <a:txBody>
+                    <a:bodyPr/>
+                    <a:lstStyle/>
+                    <a:p>
+                      <a:pPr latinLnBrk="1"/>
+                      <a:r>
+                        <a:rPr lang="ko-KR" altLang="en-US" dirty="0"/>
+                        <a:t>특별한 요구사항 없음</a:t>
+                      </a:r>
+                    </a:p>
+                  </a:txBody>
+                  <a:tcPr/>
+                </a:tc>
+                <a:tc>
+                  <a:txBody>
+                    <a:bodyPr/>
+                    <a:lstStyle/>
+                    <a:p>
+                      <a:pPr latinLnBrk="1"/>
+                      <a:r>
+                        <a:rPr lang="en-US" altLang="ko-KR" dirty="0"/>
+                        <a:t>0.91</a:t>
+                      </a:r>
+                      <a:endParaRPr lang="ko-KR" altLang="en-US" dirty="0"/>
+                    </a:p>
+                  </a:txBody>
+                  <a:tcPr/>
+                </a:tc>
+                <a:extLst>
+                  <a:ext uri="{0D108BD9-81ED-4DB2-BD59-A6C34878D82A}">
+                    <a16:rowId xmlns:a16="http://schemas.microsoft.com/office/drawing/2014/main" val="1274574374"/>
+                  </a:ext>
+                </a:extLst>
+              </a:tr>
+              <a:tr h="370840">
+                <a:tc>
+                  <a:txBody>
+                    <a:bodyPr/>
+                    <a:lstStyle/>
+                    <a:p>
+                      <a:pPr latinLnBrk="1"/>
+                      <a:r>
+                        <a:rPr lang="ko-KR" altLang="en-US" dirty="0"/>
+                        <a:t>운영환경 호환성</a:t>
+                      </a:r>
+                    </a:p>
+                  </a:txBody>
+                  <a:tcPr/>
+                </a:tc>
+                <a:tc>
+                  <a:txBody>
+                    <a:bodyPr/>
+                    <a:lstStyle/>
+                    <a:p>
+                      <a:pPr latinLnBrk="1"/>
+                      <a:r>
+                        <a:rPr lang="ko-KR" altLang="en-US" dirty="0"/>
+                        <a:t>요구사항 없음</a:t>
+                      </a:r>
+                    </a:p>
+                  </a:txBody>
+                  <a:tcPr/>
+                </a:tc>
+                <a:tc>
+                  <a:txBody>
+                    <a:bodyPr/>
+                    <a:lstStyle/>
+                    <a:p>
+                      <a:pPr latinLnBrk="1"/>
+                      <a:r>
+                        <a:rPr lang="en-US" altLang="ko-KR" dirty="0"/>
+                        <a:t>0.94</a:t>
+                      </a:r>
+                      <a:endParaRPr lang="ko-KR" altLang="en-US" dirty="0"/>
+                    </a:p>
+                  </a:txBody>
+                  <a:tcPr/>
+                </a:tc>
+                <a:extLst>
+                  <a:ext uri="{0D108BD9-81ED-4DB2-BD59-A6C34878D82A}">
+                    <a16:rowId xmlns:a16="http://schemas.microsoft.com/office/drawing/2014/main" val="4061055892"/>
+                  </a:ext>
+                </a:extLst>
+              </a:tr>
+              <a:tr h="370840">
+                <a:tc>
+                  <a:txBody>
+                    <a:bodyPr/>
+                    <a:lstStyle/>
+                    <a:p>
+                      <a:pPr latinLnBrk="1"/>
+                      <a:r>
+                        <a:rPr lang="ko-KR" altLang="en-US" dirty="0"/>
+                        <a:t>보안성 수준</a:t>
+                      </a:r>
+                    </a:p>
+                  </a:txBody>
+                  <a:tcPr/>
+                </a:tc>
+                <a:tc>
+                  <a:txBody>
+                    <a:bodyPr/>
+                    <a:lstStyle/>
+                    <a:p>
+                      <a:pPr latinLnBrk="1"/>
+                      <a:r>
+                        <a:rPr lang="ko-KR" altLang="en-US" dirty="0" err="1"/>
+                        <a:t>시큐어코딩</a:t>
+                      </a:r>
+                      <a:r>
+                        <a:rPr lang="ko-KR" altLang="en-US" dirty="0"/>
+                        <a:t> 요구사항</a:t>
+                      </a:r>
+                    </a:p>
+                  </a:txBody>
+                  <a:tcPr/>
+                </a:tc>
+                <a:tc>
+                  <a:txBody>
+                    <a:bodyPr/>
+                    <a:lstStyle/>
+                    <a:p>
+                      <a:pPr latinLnBrk="1"/>
+                      <a:r>
+                        <a:rPr lang="en-US" altLang="ko-KR" dirty="0"/>
+                        <a:t>0.97</a:t>
+                      </a:r>
+                      <a:endParaRPr lang="ko-KR" altLang="en-US" dirty="0"/>
+                    </a:p>
+                  </a:txBody>
+                  <a:tcPr/>
+                </a:tc>
+                <a:extLst>
+                  <a:ext uri="{0D108BD9-81ED-4DB2-BD59-A6C34878D82A}">
+                    <a16:rowId xmlns:a16="http://schemas.microsoft.com/office/drawing/2014/main" val="1532493149"/>
+                  </a:ext>
+                </a:extLst>
+              </a:tr>
+            </a:tbl>
+          </a:graphicData>
+        </a:graphic>
+      </p:graphicFrame>
     </p:spTree>
     <p:extLst>
       <p:ext uri="{BB962C8B-B14F-4D97-AF65-F5344CB8AC3E}">
@@ -7516,38 +9283,459 @@
           </a:p>
         </p:txBody>
       </p:sp>
-      <p:sp>
-        <p:nvSpPr>
-          <p:cNvPr id="3" name="내용 개체 틀 2">
-            <a:extLst>
-              <a:ext uri="{FF2B5EF4-FFF2-40B4-BE49-F238E27FC236}">
-                <a16:creationId xmlns:a16="http://schemas.microsoft.com/office/drawing/2014/main" id="{485F3503-C6FE-446F-A563-561335F18C7B}"/>
-              </a:ext>
-            </a:extLst>
-          </p:cNvPr>
-          <p:cNvSpPr>
-            <a:spLocks noGrp="1"/>
-          </p:cNvSpPr>
+      <p:graphicFrame>
+        <p:nvGraphicFramePr>
+          <p:cNvPr id="4" name="표 4">
+            <a:extLst>
+              <a:ext uri="{FF2B5EF4-FFF2-40B4-BE49-F238E27FC236}">
+                <a16:creationId xmlns:a16="http://schemas.microsoft.com/office/drawing/2014/main" id="{AFD6E612-941F-46F6-B47D-2887C35B903F}"/>
+              </a:ext>
+            </a:extLst>
+          </p:cNvPr>
+          <p:cNvGraphicFramePr>
+            <a:graphicFrameLocks noGrp="1"/>
+          </p:cNvGraphicFramePr>
           <p:nvPr>
             <p:ph idx="1"/>
-          </p:nvPr>
-        </p:nvSpPr>
-        <p:spPr/>
-        <p:txBody>
-          <a:bodyPr/>
-          <a:lstStyle/>
-          <a:p>
-            <a:r>
-              <a:rPr lang="ko-KR" altLang="en-US" dirty="0" err="1"/>
-              <a:t>보정후</a:t>
-            </a:r>
-            <a:r>
-              <a:rPr lang="ko-KR" altLang="en-US" dirty="0"/>
-              <a:t> 개발원가 산정하기 위해 종합 계산양식 첨부</a:t>
-            </a:r>
-          </a:p>
-        </p:txBody>
-      </p:sp>
+            <p:extLst>
+              <p:ext uri="{D42A27DB-BD31-4B8C-83A1-F6EECF244321}">
+                <p14:modId xmlns:p14="http://schemas.microsoft.com/office/powerpoint/2010/main" val="1897668526"/>
+              </p:ext>
+            </p:extLst>
+          </p:nvPr>
+        </p:nvGraphicFramePr>
+        <p:xfrm>
+          <a:off x="838200" y="1825624"/>
+          <a:ext cx="10515600" cy="2811602"/>
+        </p:xfrm>
+        <a:graphic>
+          <a:graphicData uri="http://schemas.openxmlformats.org/drawingml/2006/table">
+            <a:tbl>
+              <a:tblPr firstRow="1" bandRow="1">
+                <a:tableStyleId>{5C22544A-7EE6-4342-B048-85BDC9FD1C3A}</a:tableStyleId>
+              </a:tblPr>
+              <a:tblGrid>
+                <a:gridCol w="1314450">
+                  <a:extLst>
+                    <a:ext uri="{9D8B030D-6E8A-4147-A177-3AD203B41FA5}">
+                      <a16:colId xmlns:a16="http://schemas.microsoft.com/office/drawing/2014/main" val="2210989824"/>
+                    </a:ext>
+                  </a:extLst>
+                </a:gridCol>
+                <a:gridCol w="1314450">
+                  <a:extLst>
+                    <a:ext uri="{9D8B030D-6E8A-4147-A177-3AD203B41FA5}">
+                      <a16:colId xmlns:a16="http://schemas.microsoft.com/office/drawing/2014/main" val="1082810423"/>
+                    </a:ext>
+                  </a:extLst>
+                </a:gridCol>
+                <a:gridCol w="1314450">
+                  <a:extLst>
+                    <a:ext uri="{9D8B030D-6E8A-4147-A177-3AD203B41FA5}">
+                      <a16:colId xmlns:a16="http://schemas.microsoft.com/office/drawing/2014/main" val="2090779349"/>
+                    </a:ext>
+                  </a:extLst>
+                </a:gridCol>
+                <a:gridCol w="1314450">
+                  <a:extLst>
+                    <a:ext uri="{9D8B030D-6E8A-4147-A177-3AD203B41FA5}">
+                      <a16:colId xmlns:a16="http://schemas.microsoft.com/office/drawing/2014/main" val="18719485"/>
+                    </a:ext>
+                  </a:extLst>
+                </a:gridCol>
+                <a:gridCol w="1314450">
+                  <a:extLst>
+                    <a:ext uri="{9D8B030D-6E8A-4147-A177-3AD203B41FA5}">
+                      <a16:colId xmlns:a16="http://schemas.microsoft.com/office/drawing/2014/main" val="3934533049"/>
+                    </a:ext>
+                  </a:extLst>
+                </a:gridCol>
+                <a:gridCol w="1314450">
+                  <a:extLst>
+                    <a:ext uri="{9D8B030D-6E8A-4147-A177-3AD203B41FA5}">
+                      <a16:colId xmlns:a16="http://schemas.microsoft.com/office/drawing/2014/main" val="1299995187"/>
+                    </a:ext>
+                  </a:extLst>
+                </a:gridCol>
+                <a:gridCol w="1314450">
+                  <a:extLst>
+                    <a:ext uri="{9D8B030D-6E8A-4147-A177-3AD203B41FA5}">
+                      <a16:colId xmlns:a16="http://schemas.microsoft.com/office/drawing/2014/main" val="977735110"/>
+                    </a:ext>
+                  </a:extLst>
+                </a:gridCol>
+                <a:gridCol w="1314450">
+                  <a:extLst>
+                    <a:ext uri="{9D8B030D-6E8A-4147-A177-3AD203B41FA5}">
+                      <a16:colId xmlns:a16="http://schemas.microsoft.com/office/drawing/2014/main" val="3229519911"/>
+                    </a:ext>
+                  </a:extLst>
+                </a:gridCol>
+              </a:tblGrid>
+              <a:tr h="757155">
+                <a:tc rowSpan="2">
+                  <a:txBody>
+                    <a:bodyPr/>
+                    <a:lstStyle/>
+                    <a:p>
+                      <a:pPr latinLnBrk="1"/>
+                      <a:r>
+                        <a:rPr lang="ko-KR" altLang="en-US" dirty="0"/>
+                        <a:t>총 기능점수</a:t>
+                      </a:r>
+                    </a:p>
+                  </a:txBody>
+                  <a:tcPr/>
+                </a:tc>
+                <a:tc rowSpan="2">
+                  <a:txBody>
+                    <a:bodyPr/>
+                    <a:lstStyle/>
+                    <a:p>
+                      <a:pPr latinLnBrk="1"/>
+                      <a:r>
+                        <a:rPr lang="ko-KR" altLang="en-US" dirty="0"/>
+                        <a:t>기능점수당 단가</a:t>
+                      </a:r>
+                    </a:p>
+                  </a:txBody>
+                  <a:tcPr/>
+                </a:tc>
+                <a:tc gridSpan="5">
+                  <a:txBody>
+                    <a:bodyPr/>
+                    <a:lstStyle/>
+                    <a:p>
+                      <a:pPr latinLnBrk="1"/>
+                      <a:r>
+                        <a:rPr lang="ko-KR" altLang="en-US" dirty="0"/>
+                        <a:t>보정계수</a:t>
+                      </a:r>
+                    </a:p>
+                  </a:txBody>
+                  <a:tcPr/>
+                </a:tc>
+                <a:tc hMerge="1">
+                  <a:txBody>
+                    <a:bodyPr/>
+                    <a:lstStyle/>
+                    <a:p>
+                      <a:pPr latinLnBrk="1"/>
+                      <a:endParaRPr lang="ko-KR" altLang="en-US" dirty="0"/>
+                    </a:p>
+                  </a:txBody>
+                  <a:tcPr/>
+                </a:tc>
+                <a:tc hMerge="1">
+                  <a:txBody>
+                    <a:bodyPr/>
+                    <a:lstStyle/>
+                    <a:p>
+                      <a:pPr latinLnBrk="1"/>
+                      <a:endParaRPr lang="ko-KR" altLang="en-US" dirty="0"/>
+                    </a:p>
+                  </a:txBody>
+                  <a:tcPr/>
+                </a:tc>
+                <a:tc hMerge="1">
+                  <a:txBody>
+                    <a:bodyPr/>
+                    <a:lstStyle/>
+                    <a:p>
+                      <a:pPr latinLnBrk="1"/>
+                      <a:endParaRPr lang="ko-KR" altLang="en-US" dirty="0"/>
+                    </a:p>
+                  </a:txBody>
+                  <a:tcPr/>
+                </a:tc>
+                <a:tc hMerge="1">
+                  <a:txBody>
+                    <a:bodyPr/>
+                    <a:lstStyle/>
+                    <a:p>
+                      <a:pPr latinLnBrk="1"/>
+                      <a:endParaRPr lang="ko-KR" altLang="en-US" dirty="0"/>
+                    </a:p>
+                  </a:txBody>
+                  <a:tcPr/>
+                </a:tc>
+                <a:tc rowSpan="2">
+                  <a:txBody>
+                    <a:bodyPr/>
+                    <a:lstStyle/>
+                    <a:p>
+                      <a:pPr latinLnBrk="1"/>
+                      <a:r>
+                        <a:rPr lang="ko-KR" altLang="en-US" dirty="0"/>
+                        <a:t>금액</a:t>
+                      </a:r>
+                      <a:r>
+                        <a:rPr lang="en-US" altLang="ko-KR" dirty="0"/>
+                        <a:t>(</a:t>
+                      </a:r>
+                      <a:r>
+                        <a:rPr lang="ko-KR" altLang="en-US" dirty="0"/>
+                        <a:t>원</a:t>
+                      </a:r>
+                      <a:r>
+                        <a:rPr lang="en-US" altLang="ko-KR" dirty="0"/>
+                        <a:t>)</a:t>
+                      </a:r>
+                      <a:endParaRPr lang="ko-KR" altLang="en-US" dirty="0"/>
+                    </a:p>
+                  </a:txBody>
+                  <a:tcPr/>
+                </a:tc>
+                <a:extLst>
+                  <a:ext uri="{0D108BD9-81ED-4DB2-BD59-A6C34878D82A}">
+                    <a16:rowId xmlns:a16="http://schemas.microsoft.com/office/drawing/2014/main" val="183784784"/>
+                  </a:ext>
+                </a:extLst>
+              </a:tr>
+              <a:tr h="834189">
+                <a:tc vMerge="1">
+                  <a:txBody>
+                    <a:bodyPr/>
+                    <a:lstStyle/>
+                    <a:p>
+                      <a:pPr latinLnBrk="1"/>
+                      <a:endParaRPr lang="ko-KR" altLang="en-US" dirty="0"/>
+                    </a:p>
+                  </a:txBody>
+                  <a:tcPr/>
+                </a:tc>
+                <a:tc vMerge="1">
+                  <a:txBody>
+                    <a:bodyPr/>
+                    <a:lstStyle/>
+                    <a:p>
+                      <a:pPr latinLnBrk="1"/>
+                      <a:endParaRPr lang="ko-KR" altLang="en-US" dirty="0"/>
+                    </a:p>
+                  </a:txBody>
+                  <a:tcPr/>
+                </a:tc>
+                <a:tc>
+                  <a:txBody>
+                    <a:bodyPr/>
+                    <a:lstStyle/>
+                    <a:p>
+                      <a:pPr latinLnBrk="1"/>
+                      <a:r>
+                        <a:rPr lang="ko-KR" altLang="en-US" dirty="0"/>
+                        <a:t>규모</a:t>
+                      </a:r>
+                    </a:p>
+                  </a:txBody>
+                  <a:tcPr/>
+                </a:tc>
+                <a:tc>
+                  <a:txBody>
+                    <a:bodyPr/>
+                    <a:lstStyle/>
+                    <a:p>
+                      <a:pPr latinLnBrk="1"/>
+                      <a:r>
+                        <a:rPr lang="ko-KR" altLang="en-US" dirty="0"/>
+                        <a:t>연계 복잡성</a:t>
+                      </a:r>
+                    </a:p>
+                  </a:txBody>
+                  <a:tcPr/>
+                </a:tc>
+                <a:tc>
+                  <a:txBody>
+                    <a:bodyPr/>
+                    <a:lstStyle/>
+                    <a:p>
+                      <a:pPr latinLnBrk="1"/>
+                      <a:r>
+                        <a:rPr lang="ko-KR" altLang="en-US" dirty="0"/>
+                        <a:t>성능</a:t>
+                      </a:r>
+                    </a:p>
+                  </a:txBody>
+                  <a:tcPr/>
+                </a:tc>
+                <a:tc>
+                  <a:txBody>
+                    <a:bodyPr/>
+                    <a:lstStyle/>
+                    <a:p>
+                      <a:pPr latinLnBrk="1"/>
+                      <a:r>
+                        <a:rPr lang="ko-KR" altLang="en-US" dirty="0"/>
+                        <a:t>운영환경 호환성</a:t>
+                      </a:r>
+                    </a:p>
+                  </a:txBody>
+                  <a:tcPr/>
+                </a:tc>
+                <a:tc>
+                  <a:txBody>
+                    <a:bodyPr/>
+                    <a:lstStyle/>
+                    <a:p>
+                      <a:pPr latinLnBrk="1"/>
+                      <a:r>
+                        <a:rPr lang="ko-KR" altLang="en-US" dirty="0"/>
+                        <a:t>보안성</a:t>
+                      </a:r>
+                    </a:p>
+                  </a:txBody>
+                  <a:tcPr/>
+                </a:tc>
+                <a:tc vMerge="1">
+                  <a:txBody>
+                    <a:bodyPr/>
+                    <a:lstStyle/>
+                    <a:p>
+                      <a:pPr latinLnBrk="1"/>
+                      <a:endParaRPr lang="ko-KR" altLang="en-US" dirty="0"/>
+                    </a:p>
+                  </a:txBody>
+                  <a:tcPr/>
+                </a:tc>
+                <a:extLst>
+                  <a:ext uri="{0D108BD9-81ED-4DB2-BD59-A6C34878D82A}">
+                    <a16:rowId xmlns:a16="http://schemas.microsoft.com/office/drawing/2014/main" val="2276975014"/>
+                  </a:ext>
+                </a:extLst>
+              </a:tr>
+              <a:tr h="1220258">
+                <a:tc>
+                  <a:txBody>
+                    <a:bodyPr/>
+                    <a:lstStyle/>
+                    <a:p>
+                      <a:pPr latinLnBrk="1"/>
+                      <a:r>
+                        <a:rPr lang="en-US" altLang="ko-KR" dirty="0"/>
+                        <a:t>88FP</a:t>
+                      </a:r>
+                      <a:endParaRPr lang="ko-KR" altLang="en-US" dirty="0"/>
+                    </a:p>
+                  </a:txBody>
+                  <a:tcPr/>
+                </a:tc>
+                <a:tc>
+                  <a:txBody>
+                    <a:bodyPr/>
+                    <a:lstStyle/>
+                    <a:p>
+                      <a:pPr latinLnBrk="1"/>
+                      <a:r>
+                        <a:rPr lang="en-US" altLang="ko-KR" dirty="0"/>
+                        <a:t>553,114</a:t>
+                      </a:r>
+                      <a:endParaRPr lang="ko-KR" altLang="en-US" dirty="0"/>
+                    </a:p>
+                  </a:txBody>
+                  <a:tcPr/>
+                </a:tc>
+                <a:tc>
+                  <a:txBody>
+                    <a:bodyPr/>
+                    <a:lstStyle/>
+                    <a:p>
+                      <a:pPr latinLnBrk="1"/>
+                      <a:r>
+                        <a:rPr lang="en-US" altLang="ko-KR" dirty="0"/>
+                        <a:t>1.2800</a:t>
+                      </a:r>
+                      <a:endParaRPr lang="ko-KR" altLang="en-US" dirty="0"/>
+                    </a:p>
+                  </a:txBody>
+                  <a:tcPr/>
+                </a:tc>
+                <a:tc>
+                  <a:txBody>
+                    <a:bodyPr/>
+                    <a:lstStyle/>
+                    <a:p>
+                      <a:pPr latinLnBrk="1"/>
+                      <a:r>
+                        <a:rPr lang="en-US" altLang="ko-KR" dirty="0"/>
+                        <a:t>0.88</a:t>
+                      </a:r>
+                      <a:endParaRPr lang="ko-KR" altLang="en-US" dirty="0"/>
+                    </a:p>
+                  </a:txBody>
+                  <a:tcPr/>
+                </a:tc>
+                <a:tc>
+                  <a:txBody>
+                    <a:bodyPr/>
+                    <a:lstStyle/>
+                    <a:p>
+                      <a:pPr latinLnBrk="1"/>
+                      <a:r>
+                        <a:rPr lang="en-US" altLang="ko-KR" dirty="0"/>
+                        <a:t>0.95</a:t>
+                      </a:r>
+                      <a:endParaRPr lang="ko-KR" altLang="en-US" dirty="0"/>
+                    </a:p>
+                  </a:txBody>
+                  <a:tcPr/>
+                </a:tc>
+                <a:tc>
+                  <a:txBody>
+                    <a:bodyPr/>
+                    <a:lstStyle/>
+                    <a:p>
+                      <a:pPr latinLnBrk="1"/>
+                      <a:r>
+                        <a:rPr lang="en-US" altLang="ko-KR" dirty="0"/>
+                        <a:t>0.94</a:t>
+                      </a:r>
+                      <a:endParaRPr lang="ko-KR" altLang="en-US" dirty="0"/>
+                    </a:p>
+                  </a:txBody>
+                  <a:tcPr/>
+                </a:tc>
+                <a:tc>
+                  <a:txBody>
+                    <a:bodyPr/>
+                    <a:lstStyle/>
+                    <a:p>
+                      <a:pPr latinLnBrk="1"/>
+                      <a:r>
+                        <a:rPr lang="en-US" altLang="ko-KR" dirty="0"/>
+                        <a:t>0.97</a:t>
+                      </a:r>
+                      <a:endParaRPr lang="ko-KR" altLang="en-US" dirty="0"/>
+                    </a:p>
+                  </a:txBody>
+                  <a:tcPr/>
+                </a:tc>
+                <a:tc>
+                  <a:txBody>
+                    <a:bodyPr/>
+                    <a:lstStyle/>
+                    <a:p>
+                      <a:pPr latinLnBrk="1"/>
+                      <a:r>
+                        <a:rPr lang="en-US" altLang="ko-KR" dirty="0"/>
+                        <a:t>47,491,20</a:t>
+                      </a:r>
+                      <a:r>
+                        <a:rPr lang="ko-KR" altLang="en-US" dirty="0"/>
+                        <a:t>원</a:t>
+                      </a:r>
+                    </a:p>
+                  </a:txBody>
+                  <a:tcPr/>
+                </a:tc>
+                <a:extLst>
+                  <a:ext uri="{0D108BD9-81ED-4DB2-BD59-A6C34878D82A}">
+                    <a16:rowId xmlns:a16="http://schemas.microsoft.com/office/drawing/2014/main" val="3930190259"/>
+                  </a:ext>
+                </a:extLst>
+              </a:tr>
+            </a:tbl>
+          </a:graphicData>
+        </a:graphic>
+      </p:graphicFrame>
     </p:spTree>
     <p:extLst>
       <p:ext uri="{BB962C8B-B14F-4D97-AF65-F5344CB8AC3E}">
@@ -8988,7 +11176,7 @@
           <p:cNvPr id="2" name="제목 1">
             <a:extLst>
               <a:ext uri="{FF2B5EF4-FFF2-40B4-BE49-F238E27FC236}">
-                <a16:creationId xmlns:a16="http://schemas.microsoft.com/office/drawing/2014/main" id="{5A739A61-6BDA-4D31-A3F4-F66E0C4F6045}"/>
+                <a16:creationId xmlns:a16="http://schemas.microsoft.com/office/drawing/2014/main" id="{1CD28999-BF56-4A63-BA08-DDC44C8BD0B7}"/>
               </a:ext>
             </a:extLst>
           </p:cNvPr>
@@ -9006,7 +11194,7 @@
           <a:p>
             <a:r>
               <a:rPr lang="ko-KR" altLang="en-US" dirty="0"/>
-              <a:t>역할별 진행 상황 정리</a:t>
+              <a:t>테스트 및 배포 계획</a:t>
             </a:r>
           </a:p>
         </p:txBody>
@@ -9016,7 +11204,7 @@
           <p:cNvPr id="3" name="내용 개체 틀 2">
             <a:extLst>
               <a:ext uri="{FF2B5EF4-FFF2-40B4-BE49-F238E27FC236}">
-                <a16:creationId xmlns:a16="http://schemas.microsoft.com/office/drawing/2014/main" id="{31E054A5-FCC6-4AC1-BDAF-E60B38116B9B}"/>
+                <a16:creationId xmlns:a16="http://schemas.microsoft.com/office/drawing/2014/main" id="{E35EA552-A8FC-4AD2-ADC5-B394DC67FBE4}"/>
               </a:ext>
             </a:extLst>
           </p:cNvPr>
@@ -9032,17 +11220,14 @@
           <a:bodyPr/>
           <a:lstStyle/>
           <a:p>
-            <a:r>
-              <a:rPr lang="ko-KR" altLang="en-US" dirty="0"/>
-              <a:t>각 팀원마다 여태까지 한 일 표로 정리</a:t>
-            </a:r>
+            <a:endParaRPr lang="ko-KR" altLang="en-US"/>
           </a:p>
         </p:txBody>
       </p:sp>
     </p:spTree>
     <p:extLst>
       <p:ext uri="{BB962C8B-B14F-4D97-AF65-F5344CB8AC3E}">
-        <p14:creationId xmlns:p14="http://schemas.microsoft.com/office/powerpoint/2010/main" val="514968160"/>
+        <p14:creationId xmlns:p14="http://schemas.microsoft.com/office/powerpoint/2010/main" val="3024010073"/>
       </p:ext>
     </p:extLst>
   </p:cSld>
@@ -9166,190 +11351,6 @@
     <p:extLst>
       <p:ext uri="{BB962C8B-B14F-4D97-AF65-F5344CB8AC3E}">
         <p14:creationId xmlns:p14="http://schemas.microsoft.com/office/powerpoint/2010/main" val="2688889335"/>
-      </p:ext>
-    </p:extLst>
-  </p:cSld>
-  <p:clrMapOvr>
-    <a:masterClrMapping/>
-  </p:clrMapOvr>
-</p:sld>
-</file>
-
-<file path=ppt/slides/slide30.xml><?xml version="1.0" encoding="utf-8"?>
-<p:sld xmlns:a="http://schemas.openxmlformats.org/drawingml/2006/main" xmlns:r="http://schemas.openxmlformats.org/officeDocument/2006/relationships" xmlns:p="http://schemas.openxmlformats.org/presentationml/2006/main">
-  <p:cSld>
-    <p:spTree>
-      <p:nvGrpSpPr>
-        <p:cNvPr id="1" name=""/>
-        <p:cNvGrpSpPr/>
-        <p:nvPr/>
-      </p:nvGrpSpPr>
-      <p:grpSpPr>
-        <a:xfrm>
-          <a:off x="0" y="0"/>
-          <a:ext cx="0" cy="0"/>
-          <a:chOff x="0" y="0"/>
-          <a:chExt cx="0" cy="0"/>
-        </a:xfrm>
-      </p:grpSpPr>
-      <p:sp>
-        <p:nvSpPr>
-          <p:cNvPr id="2" name="제목 1">
-            <a:extLst>
-              <a:ext uri="{FF2B5EF4-FFF2-40B4-BE49-F238E27FC236}">
-                <a16:creationId xmlns:a16="http://schemas.microsoft.com/office/drawing/2014/main" id="{81BC63A9-3AB7-4FD0-8085-CD31F6A77AEB}"/>
-              </a:ext>
-            </a:extLst>
-          </p:cNvPr>
-          <p:cNvSpPr>
-            <a:spLocks noGrp="1"/>
-          </p:cNvSpPr>
-          <p:nvPr>
-            <p:ph type="title"/>
-          </p:nvPr>
-        </p:nvSpPr>
-        <p:spPr/>
-        <p:txBody>
-          <a:bodyPr/>
-          <a:lstStyle/>
-          <a:p>
-            <a:r>
-              <a:rPr lang="ko-KR" altLang="en-US" dirty="0"/>
-              <a:t>역할별 작업 진행 예정</a:t>
-            </a:r>
-          </a:p>
-        </p:txBody>
-      </p:sp>
-      <p:sp>
-        <p:nvSpPr>
-          <p:cNvPr id="3" name="내용 개체 틀 2">
-            <a:extLst>
-              <a:ext uri="{FF2B5EF4-FFF2-40B4-BE49-F238E27FC236}">
-                <a16:creationId xmlns:a16="http://schemas.microsoft.com/office/drawing/2014/main" id="{8D22A30B-FFD1-42E3-854B-2BA26975F0E3}"/>
-              </a:ext>
-            </a:extLst>
-          </p:cNvPr>
-          <p:cNvSpPr>
-            <a:spLocks noGrp="1"/>
-          </p:cNvSpPr>
-          <p:nvPr>
-            <p:ph idx="1"/>
-          </p:nvPr>
-        </p:nvSpPr>
-        <p:spPr/>
-        <p:txBody>
-          <a:bodyPr/>
-          <a:lstStyle/>
-          <a:p>
-            <a:r>
-              <a:rPr lang="ko-KR" altLang="en-US" dirty="0"/>
-              <a:t>각 팀원마다 할 일 정리</a:t>
-            </a:r>
-            <a:endParaRPr lang="en-US" altLang="ko-KR" dirty="0"/>
-          </a:p>
-          <a:p>
-            <a:r>
-              <a:rPr lang="ko-KR" altLang="en-US" dirty="0"/>
-              <a:t>최종적으로는 </a:t>
-            </a:r>
-            <a:r>
-              <a:rPr lang="en-US" altLang="ko-KR" dirty="0"/>
-              <a:t>AWS</a:t>
-            </a:r>
-            <a:r>
-              <a:rPr lang="ko-KR" altLang="en-US" dirty="0"/>
-              <a:t>를 통해 웹 배포 및 도메인 구입하여 적용</a:t>
-            </a:r>
-          </a:p>
-        </p:txBody>
-      </p:sp>
-    </p:spTree>
-    <p:extLst>
-      <p:ext uri="{BB962C8B-B14F-4D97-AF65-F5344CB8AC3E}">
-        <p14:creationId xmlns:p14="http://schemas.microsoft.com/office/powerpoint/2010/main" val="3762220459"/>
-      </p:ext>
-    </p:extLst>
-  </p:cSld>
-  <p:clrMapOvr>
-    <a:masterClrMapping/>
-  </p:clrMapOvr>
-</p:sld>
-</file>
-
-<file path=ppt/slides/slide31.xml><?xml version="1.0" encoding="utf-8"?>
-<p:sld xmlns:a="http://schemas.openxmlformats.org/drawingml/2006/main" xmlns:r="http://schemas.openxmlformats.org/officeDocument/2006/relationships" xmlns:p="http://schemas.openxmlformats.org/presentationml/2006/main">
-  <p:cSld>
-    <p:spTree>
-      <p:nvGrpSpPr>
-        <p:cNvPr id="1" name=""/>
-        <p:cNvGrpSpPr/>
-        <p:nvPr/>
-      </p:nvGrpSpPr>
-      <p:grpSpPr>
-        <a:xfrm>
-          <a:off x="0" y="0"/>
-          <a:ext cx="0" cy="0"/>
-          <a:chOff x="0" y="0"/>
-          <a:chExt cx="0" cy="0"/>
-        </a:xfrm>
-      </p:grpSpPr>
-      <p:sp>
-        <p:nvSpPr>
-          <p:cNvPr id="2" name="제목 1">
-            <a:extLst>
-              <a:ext uri="{FF2B5EF4-FFF2-40B4-BE49-F238E27FC236}">
-                <a16:creationId xmlns:a16="http://schemas.microsoft.com/office/drawing/2014/main" id="{1CD28999-BF56-4A63-BA08-DDC44C8BD0B7}"/>
-              </a:ext>
-            </a:extLst>
-          </p:cNvPr>
-          <p:cNvSpPr>
-            <a:spLocks noGrp="1"/>
-          </p:cNvSpPr>
-          <p:nvPr>
-            <p:ph type="title"/>
-          </p:nvPr>
-        </p:nvSpPr>
-        <p:spPr/>
-        <p:txBody>
-          <a:bodyPr/>
-          <a:lstStyle/>
-          <a:p>
-            <a:r>
-              <a:rPr lang="ko-KR" altLang="en-US" dirty="0"/>
-              <a:t>테스트 및 배포 계획</a:t>
-            </a:r>
-          </a:p>
-        </p:txBody>
-      </p:sp>
-      <p:sp>
-        <p:nvSpPr>
-          <p:cNvPr id="3" name="내용 개체 틀 2">
-            <a:extLst>
-              <a:ext uri="{FF2B5EF4-FFF2-40B4-BE49-F238E27FC236}">
-                <a16:creationId xmlns:a16="http://schemas.microsoft.com/office/drawing/2014/main" id="{E35EA552-A8FC-4AD2-ADC5-B394DC67FBE4}"/>
-              </a:ext>
-            </a:extLst>
-          </p:cNvPr>
-          <p:cNvSpPr>
-            <a:spLocks noGrp="1"/>
-          </p:cNvSpPr>
-          <p:nvPr>
-            <p:ph idx="1"/>
-          </p:nvPr>
-        </p:nvSpPr>
-        <p:spPr/>
-        <p:txBody>
-          <a:bodyPr/>
-          <a:lstStyle/>
-          <a:p>
-            <a:endParaRPr lang="ko-KR" altLang="en-US"/>
-          </a:p>
-        </p:txBody>
-      </p:sp>
-    </p:spTree>
-    <p:extLst>
-      <p:ext uri="{BB962C8B-B14F-4D97-AF65-F5344CB8AC3E}">
-        <p14:creationId xmlns:p14="http://schemas.microsoft.com/office/powerpoint/2010/main" val="3024010073"/>
       </p:ext>
     </p:extLst>
   </p:cSld>

--- a/팀 그릴그린 중간발표.pptx
+++ b/팀 그릴그린 중간발표.pptx
@@ -18753,12 +18753,21 @@
             </a:r>
             <a:r>
               <a:rPr lang="en-US" altLang="ko-KR" dirty="0"/>
-              <a:t>, Anaconda, Visual Studio Code</a:t>
-            </a:r>
-          </a:p>
-          <a:p>
+              <a:t>, </a:t>
+            </a:r>
+            <a:r>
+              <a:rPr lang="en-US" altLang="ko-KR" dirty="0" err="1"/>
+              <a:t>Colab</a:t>
+            </a:r>
             <a:r>
               <a:rPr lang="en-US" altLang="ko-KR" dirty="0"/>
+              <a:t>, Visual Studio Code, Tableau</a:t>
+            </a:r>
+            <a:endParaRPr lang="ko-KR" altLang="en-US"/>
+          </a:p>
+          <a:p>
+            <a:r>
+              <a:rPr lang="en-US" altLang="ko-KR"/>
               <a:t>AWS</a:t>
             </a:r>
             <a:r>

--- a/팀 그릴그린 중간발표.pptx
+++ b/팀 그릴그린 중간발표.pptx
@@ -4124,7 +4124,7 @@
           <a:p>
             <a:fld id="{D65DEA77-71DE-4A9B-9CE6-07CA57911D85}" type="datetimeFigureOut">
               <a:rPr lang="ko-KR" altLang="en-US" smtClean="0"/>
-              <a:t>2021-10-15</a:t>
+              <a:t>2021-10-16</a:t>
             </a:fld>
             <a:endParaRPr lang="ko-KR" altLang="en-US"/>
           </a:p>
@@ -7039,7 +7039,7 @@
           <a:p>
             <a:fld id="{9F0115B4-8FFA-499C-AB56-8CA0E1AE3C20}" type="datetimeFigureOut">
               <a:rPr lang="ko-KR" altLang="en-US" smtClean="0"/>
-              <a:t>2021-10-15</a:t>
+              <a:t>2021-10-16</a:t>
             </a:fld>
             <a:endParaRPr lang="ko-KR" altLang="en-US"/>
           </a:p>
@@ -7237,7 +7237,7 @@
           <a:p>
             <a:fld id="{9F0115B4-8FFA-499C-AB56-8CA0E1AE3C20}" type="datetimeFigureOut">
               <a:rPr lang="ko-KR" altLang="en-US" smtClean="0"/>
-              <a:t>2021-10-15</a:t>
+              <a:t>2021-10-16</a:t>
             </a:fld>
             <a:endParaRPr lang="ko-KR" altLang="en-US"/>
           </a:p>
@@ -7445,7 +7445,7 @@
           <a:p>
             <a:fld id="{9F0115B4-8FFA-499C-AB56-8CA0E1AE3C20}" type="datetimeFigureOut">
               <a:rPr lang="ko-KR" altLang="en-US" smtClean="0"/>
-              <a:t>2021-10-15</a:t>
+              <a:t>2021-10-16</a:t>
             </a:fld>
             <a:endParaRPr lang="ko-KR" altLang="en-US"/>
           </a:p>
@@ -7643,7 +7643,7 @@
           <a:p>
             <a:fld id="{9F0115B4-8FFA-499C-AB56-8CA0E1AE3C20}" type="datetimeFigureOut">
               <a:rPr lang="ko-KR" altLang="en-US" smtClean="0"/>
-              <a:t>2021-10-15</a:t>
+              <a:t>2021-10-16</a:t>
             </a:fld>
             <a:endParaRPr lang="ko-KR" altLang="en-US"/>
           </a:p>
@@ -7918,7 +7918,7 @@
           <a:p>
             <a:fld id="{9F0115B4-8FFA-499C-AB56-8CA0E1AE3C20}" type="datetimeFigureOut">
               <a:rPr lang="ko-KR" altLang="en-US" smtClean="0"/>
-              <a:t>2021-10-15</a:t>
+              <a:t>2021-10-16</a:t>
             </a:fld>
             <a:endParaRPr lang="ko-KR" altLang="en-US"/>
           </a:p>
@@ -8183,7 +8183,7 @@
           <a:p>
             <a:fld id="{9F0115B4-8FFA-499C-AB56-8CA0E1AE3C20}" type="datetimeFigureOut">
               <a:rPr lang="ko-KR" altLang="en-US" smtClean="0"/>
-              <a:t>2021-10-15</a:t>
+              <a:t>2021-10-16</a:t>
             </a:fld>
             <a:endParaRPr lang="ko-KR" altLang="en-US"/>
           </a:p>
@@ -8595,7 +8595,7 @@
           <a:p>
             <a:fld id="{9F0115B4-8FFA-499C-AB56-8CA0E1AE3C20}" type="datetimeFigureOut">
               <a:rPr lang="ko-KR" altLang="en-US" smtClean="0"/>
-              <a:t>2021-10-15</a:t>
+              <a:t>2021-10-16</a:t>
             </a:fld>
             <a:endParaRPr lang="ko-KR" altLang="en-US"/>
           </a:p>
@@ -8736,7 +8736,7 @@
           <a:p>
             <a:fld id="{9F0115B4-8FFA-499C-AB56-8CA0E1AE3C20}" type="datetimeFigureOut">
               <a:rPr lang="ko-KR" altLang="en-US" smtClean="0"/>
-              <a:t>2021-10-15</a:t>
+              <a:t>2021-10-16</a:t>
             </a:fld>
             <a:endParaRPr lang="ko-KR" altLang="en-US"/>
           </a:p>
@@ -8849,7 +8849,7 @@
           <a:p>
             <a:fld id="{9F0115B4-8FFA-499C-AB56-8CA0E1AE3C20}" type="datetimeFigureOut">
               <a:rPr lang="ko-KR" altLang="en-US" smtClean="0"/>
-              <a:t>2021-10-15</a:t>
+              <a:t>2021-10-16</a:t>
             </a:fld>
             <a:endParaRPr lang="ko-KR" altLang="en-US"/>
           </a:p>
@@ -9160,7 +9160,7 @@
           <a:p>
             <a:fld id="{9F0115B4-8FFA-499C-AB56-8CA0E1AE3C20}" type="datetimeFigureOut">
               <a:rPr lang="ko-KR" altLang="en-US" smtClean="0"/>
-              <a:t>2021-10-15</a:t>
+              <a:t>2021-10-16</a:t>
             </a:fld>
             <a:endParaRPr lang="ko-KR" altLang="en-US"/>
           </a:p>
@@ -9448,7 +9448,7 @@
           <a:p>
             <a:fld id="{9F0115B4-8FFA-499C-AB56-8CA0E1AE3C20}" type="datetimeFigureOut">
               <a:rPr lang="ko-KR" altLang="en-US" smtClean="0"/>
-              <a:t>2021-10-15</a:t>
+              <a:t>2021-10-16</a:t>
             </a:fld>
             <a:endParaRPr lang="ko-KR" altLang="en-US"/>
           </a:p>
@@ -9689,7 +9689,7 @@
           <a:p>
             <a:fld id="{9F0115B4-8FFA-499C-AB56-8CA0E1AE3C20}" type="datetimeFigureOut">
               <a:rPr lang="ko-KR" altLang="en-US" smtClean="0"/>
-              <a:t>2021-10-15</a:t>
+              <a:t>2021-10-16</a:t>
             </a:fld>
             <a:endParaRPr lang="ko-KR" altLang="en-US"/>
           </a:p>
